--- a/Paper.3_Back-Propagation/20201110_Paper3_Back-Propagation.pptx
+++ b/Paper.3_Back-Propagation/20201110_Paper3_Back-Propagation.pptx
@@ -119,6 +119,22 @@
       </a:defRPr>
     </a:lvl9pPr>
   </p:defaultTextStyle>
+  <p:extLst>
+    <p:ext uri="{EFAFB233-063F-42B5-8137-9DF3F51BA10A}">
+      <p15:sldGuideLst xmlns:p15="http://schemas.microsoft.com/office/powerpoint/2012/main">
+        <p15:guide id="1" orient="horz" pos="2160">
+          <p15:clr>
+            <a:srgbClr val="A4A3A4"/>
+          </p15:clr>
+        </p15:guide>
+        <p15:guide id="2" pos="2880">
+          <p15:clr>
+            <a:srgbClr val="A4A3A4"/>
+          </p15:clr>
+        </p15:guide>
+      </p15:sldGuideLst>
+    </p:ext>
+  </p:extLst>
 </p:presentation>
 </file>
 
@@ -205,7 +221,7 @@
             <a:fld id="{2DFBCE37-6C37-4A98-8542-9B77185828F6}" type="datetimeFigureOut">
               <a:rPr lang="ko-KR" altLang="en-US" smtClean="0"/>
               <a:pPr/>
-              <a:t>2020-11-23</a:t>
+              <a:t>2020-11-24</a:t>
             </a:fld>
             <a:endParaRPr lang="ko-KR" altLang="en-US"/>
           </a:p>
@@ -981,7 +997,7 @@
             <a:fld id="{605A431D-8CD1-4FAC-9A84-4707BFB38820}" type="datetimeFigureOut">
               <a:rPr lang="ko-KR" altLang="en-US" smtClean="0"/>
               <a:pPr/>
-              <a:t>2020-11-23</a:t>
+              <a:t>2020-11-24</a:t>
             </a:fld>
             <a:endParaRPr lang="ko-KR" altLang="en-US"/>
           </a:p>
@@ -1148,7 +1164,7 @@
             <a:fld id="{605A431D-8CD1-4FAC-9A84-4707BFB38820}" type="datetimeFigureOut">
               <a:rPr lang="ko-KR" altLang="en-US" smtClean="0"/>
               <a:pPr/>
-              <a:t>2020-11-23</a:t>
+              <a:t>2020-11-24</a:t>
             </a:fld>
             <a:endParaRPr lang="ko-KR" altLang="en-US"/>
           </a:p>
@@ -1325,7 +1341,7 @@
             <a:fld id="{605A431D-8CD1-4FAC-9A84-4707BFB38820}" type="datetimeFigureOut">
               <a:rPr lang="ko-KR" altLang="en-US" smtClean="0"/>
               <a:pPr/>
-              <a:t>2020-11-23</a:t>
+              <a:t>2020-11-24</a:t>
             </a:fld>
             <a:endParaRPr lang="ko-KR" altLang="en-US"/>
           </a:p>
@@ -1492,7 +1508,7 @@
             <a:fld id="{605A431D-8CD1-4FAC-9A84-4707BFB38820}" type="datetimeFigureOut">
               <a:rPr lang="ko-KR" altLang="en-US" smtClean="0"/>
               <a:pPr/>
-              <a:t>2020-11-23</a:t>
+              <a:t>2020-11-24</a:t>
             </a:fld>
             <a:endParaRPr lang="ko-KR" altLang="en-US"/>
           </a:p>
@@ -1735,7 +1751,7 @@
             <a:fld id="{605A431D-8CD1-4FAC-9A84-4707BFB38820}" type="datetimeFigureOut">
               <a:rPr lang="ko-KR" altLang="en-US" smtClean="0"/>
               <a:pPr/>
-              <a:t>2020-11-23</a:t>
+              <a:t>2020-11-24</a:t>
             </a:fld>
             <a:endParaRPr lang="ko-KR" altLang="en-US"/>
           </a:p>
@@ -2020,7 +2036,7 @@
             <a:fld id="{605A431D-8CD1-4FAC-9A84-4707BFB38820}" type="datetimeFigureOut">
               <a:rPr lang="ko-KR" altLang="en-US" smtClean="0"/>
               <a:pPr/>
-              <a:t>2020-11-23</a:t>
+              <a:t>2020-11-24</a:t>
             </a:fld>
             <a:endParaRPr lang="ko-KR" altLang="en-US"/>
           </a:p>
@@ -2439,7 +2455,7 @@
             <a:fld id="{605A431D-8CD1-4FAC-9A84-4707BFB38820}" type="datetimeFigureOut">
               <a:rPr lang="ko-KR" altLang="en-US" smtClean="0"/>
               <a:pPr/>
-              <a:t>2020-11-23</a:t>
+              <a:t>2020-11-24</a:t>
             </a:fld>
             <a:endParaRPr lang="ko-KR" altLang="en-US"/>
           </a:p>
@@ -2554,7 +2570,7 @@
             <a:fld id="{605A431D-8CD1-4FAC-9A84-4707BFB38820}" type="datetimeFigureOut">
               <a:rPr lang="ko-KR" altLang="en-US" smtClean="0"/>
               <a:pPr/>
-              <a:t>2020-11-23</a:t>
+              <a:t>2020-11-24</a:t>
             </a:fld>
             <a:endParaRPr lang="ko-KR" altLang="en-US"/>
           </a:p>
@@ -2646,7 +2662,7 @@
             <a:fld id="{605A431D-8CD1-4FAC-9A84-4707BFB38820}" type="datetimeFigureOut">
               <a:rPr lang="ko-KR" altLang="en-US" smtClean="0"/>
               <a:pPr/>
-              <a:t>2020-11-23</a:t>
+              <a:t>2020-11-24</a:t>
             </a:fld>
             <a:endParaRPr lang="ko-KR" altLang="en-US"/>
           </a:p>
@@ -2920,7 +2936,7 @@
             <a:fld id="{605A431D-8CD1-4FAC-9A84-4707BFB38820}" type="datetimeFigureOut">
               <a:rPr lang="ko-KR" altLang="en-US" smtClean="0"/>
               <a:pPr/>
-              <a:t>2020-11-23</a:t>
+              <a:t>2020-11-24</a:t>
             </a:fld>
             <a:endParaRPr lang="ko-KR" altLang="en-US"/>
           </a:p>
@@ -3170,7 +3186,7 @@
             <a:fld id="{605A431D-8CD1-4FAC-9A84-4707BFB38820}" type="datetimeFigureOut">
               <a:rPr lang="ko-KR" altLang="en-US" smtClean="0"/>
               <a:pPr/>
-              <a:t>2020-11-23</a:t>
+              <a:t>2020-11-24</a:t>
             </a:fld>
             <a:endParaRPr lang="ko-KR" altLang="en-US"/>
           </a:p>
@@ -3387,7 +3403,7 @@
             <a:fld id="{605A431D-8CD1-4FAC-9A84-4707BFB38820}" type="datetimeFigureOut">
               <a:rPr lang="ko-KR" altLang="en-US" smtClean="0"/>
               <a:pPr/>
-              <a:t>2020-11-23</a:t>
+              <a:t>2020-11-24</a:t>
             </a:fld>
             <a:endParaRPr lang="ko-KR" altLang="en-US"/>
           </a:p>
@@ -4121,11 +4137,7 @@
           <a:p>
             <a:r>
               <a:rPr lang="en-US" altLang="ko-KR" sz="2800" b="1" dirty="0" smtClean="0"/>
-              <a:t>Code </a:t>
-            </a:r>
-            <a:r>
-              <a:rPr lang="en-US" altLang="ko-KR" sz="2800" b="1" dirty="0" smtClean="0"/>
-              <a:t>implementation</a:t>
+              <a:t>Code implementation</a:t>
             </a:r>
             <a:endParaRPr lang="ko-KR" altLang="en-US" sz="2800" b="1" dirty="0" smtClean="0"/>
           </a:p>
@@ -4368,11 +4380,7 @@
           <a:p>
             <a:r>
               <a:rPr lang="en-US" altLang="ko-KR" sz="2800" b="1" dirty="0" smtClean="0"/>
-              <a:t>Code </a:t>
-            </a:r>
-            <a:r>
-              <a:rPr lang="en-US" altLang="ko-KR" sz="2800" b="1" dirty="0" smtClean="0"/>
-              <a:t>implementation</a:t>
+              <a:t>Code implementation</a:t>
             </a:r>
             <a:endParaRPr lang="ko-KR" altLang="en-US" sz="2800" b="1" dirty="0" smtClean="0"/>
           </a:p>
@@ -4615,11 +4623,7 @@
           <a:p>
             <a:r>
               <a:rPr lang="en-US" altLang="ko-KR" sz="2800" b="1" dirty="0" smtClean="0"/>
-              <a:t>Code </a:t>
-            </a:r>
-            <a:r>
-              <a:rPr lang="en-US" altLang="ko-KR" sz="2800" b="1" dirty="0" smtClean="0"/>
-              <a:t>implementation</a:t>
+              <a:t>Code implementation</a:t>
             </a:r>
             <a:endParaRPr lang="ko-KR" altLang="en-US" sz="2800" b="1" dirty="0" smtClean="0"/>
           </a:p>
@@ -4862,11 +4866,7 @@
           <a:p>
             <a:r>
               <a:rPr lang="en-US" altLang="ko-KR" sz="2800" b="1" dirty="0" smtClean="0"/>
-              <a:t>Code </a:t>
-            </a:r>
-            <a:r>
-              <a:rPr lang="en-US" altLang="ko-KR" sz="2800" b="1" dirty="0" smtClean="0"/>
-              <a:t>implementation</a:t>
+              <a:t>Code implementation</a:t>
             </a:r>
             <a:endParaRPr lang="ko-KR" altLang="en-US" sz="2800" b="1" dirty="0" smtClean="0"/>
           </a:p>
@@ -5047,7 +5047,7 @@
           <p:cNvPr id="8" name="직사각형 7">
             <a:extLst>
               <a:ext uri="{FF2B5EF4-FFF2-40B4-BE49-F238E27FC236}">
-                <a16:creationId xmlns:a16="http://schemas.microsoft.com/office/drawing/2014/main" xmlns="" id="{E842161A-2401-4498-AC33-1B87B7AE1ABF}"/>
+                <a16:creationId xmlns:a16="http://schemas.microsoft.com/office/drawing/2014/main" id="{E842161A-2401-4498-AC33-1B87B7AE1ABF}"/>
               </a:ext>
             </a:extLst>
           </p:cNvPr>
@@ -6043,270 +6043,403 @@
           </p:txBody>
         </p:sp>
       </p:grpSp>
-      <p:sp>
-        <p:nvSpPr>
-          <p:cNvPr id="31" name="직사각형 30"/>
-          <p:cNvSpPr/>
-          <p:nvPr/>
-        </p:nvSpPr>
-        <p:spPr>
-          <a:xfrm>
-            <a:off x="545925" y="1237961"/>
-            <a:ext cx="7949683" cy="2585323"/>
-          </a:xfrm>
-          <a:prstGeom prst="rect">
-            <a:avLst/>
-          </a:prstGeom>
-        </p:spPr>
-        <p:txBody>
-          <a:bodyPr wrap="square">
-            <a:spAutoFit/>
-          </a:bodyPr>
-          <a:lstStyle/>
-          <a:p>
-            <a:endParaRPr lang="en-US" altLang="ko-KR" b="1" dirty="0" smtClean="0"/>
-          </a:p>
-          <a:p>
-            <a:r>
-              <a:rPr lang="en-US" altLang="ko-KR" b="1" dirty="0" smtClean="0"/>
-              <a:t>Input      </a:t>
-            </a:r>
-          </a:p>
-          <a:p>
-            <a:endParaRPr lang="en-US" altLang="ko-KR" b="1" dirty="0" smtClean="0"/>
-          </a:p>
-          <a:p>
-            <a:r>
-              <a:rPr lang="en-US" altLang="ko-KR" dirty="0" smtClean="0"/>
-              <a:t>-&gt; input of higher layer will be a weighted sum of the outputs of all of the lower layer units that feed into it</a:t>
-            </a:r>
-          </a:p>
-          <a:p>
-            <a:r>
-              <a:rPr lang="en-US" altLang="ko-KR" dirty="0" smtClean="0"/>
-              <a:t>-&gt; </a:t>
-            </a:r>
-            <a:r>
-              <a:rPr lang="en-US" altLang="ko-KR" dirty="0" err="1" smtClean="0"/>
-              <a:t>i</a:t>
-            </a:r>
-            <a:r>
-              <a:rPr lang="en-US" altLang="ko-KR" dirty="0" smtClean="0"/>
-              <a:t> feeds into j</a:t>
-            </a:r>
-          </a:p>
-          <a:p>
-            <a:endParaRPr lang="en-US" altLang="ko-KR" b="1" dirty="0" smtClean="0"/>
-          </a:p>
-          <a:p>
-            <a:r>
-              <a:rPr lang="en-US" altLang="ko-KR" b="1" dirty="0" smtClean="0"/>
-              <a:t>Output</a:t>
-            </a:r>
-          </a:p>
-          <a:p>
-            <a:r>
-              <a:rPr lang="en-US" altLang="ko-KR" b="1" dirty="0" smtClean="0"/>
-              <a:t>Adjusted by a weight on the link between </a:t>
-            </a:r>
-            <a:r>
-              <a:rPr lang="en-US" altLang="ko-KR" b="1" dirty="0" err="1" smtClean="0"/>
-              <a:t>i</a:t>
-            </a:r>
-            <a:r>
-              <a:rPr lang="en-US" altLang="ko-KR" b="1" dirty="0" smtClean="0"/>
-              <a:t> and j   </a:t>
-            </a:r>
-            <a:r>
-              <a:rPr lang="en-US" altLang="ko-KR" b="1" dirty="0" smtClean="0"/>
-              <a:t> </a:t>
-            </a:r>
-            <a:endParaRPr lang="en-US" altLang="ko-KR" b="1" dirty="0" smtClean="0"/>
-          </a:p>
-        </p:txBody>
-      </p:sp>
-      <p:pic>
-        <p:nvPicPr>
-          <p:cNvPr id="4098" name="Picture 2" descr="{&quot;aid&quot;:null,&quot;id&quot;:&quot;1&quot;,&quot;type&quot;:&quot;$&quot;,&quot;backgroundColorNonDefault&quot;:false,&quot;font&quot;:{&quot;size&quot;:52,&quot;color&quot;:&quot;#000000&quot;,&quot;family&quot;:&quot;Arial&quot;},&quot;code&quot;:&quot;$x_{j}$&quot;,&quot;backgroundColor&quot;:&quot;#FFFFFF&quot;,&quot;ts&quot;:1606139092233,&quot;cs&quot;:&quot;FbN6qvMA48oY8VAJueUt8Q==&quot;,&quot;size&quot;:{&quot;width&quot;:68.50002696850396,&quot;height&quot;:61.000024015748025}}"/>
-          <p:cNvPicPr>
-            <a:picLocks noChangeAspect="1" noChangeArrowheads="1"/>
-          </p:cNvPicPr>
-          <p:nvPr/>
-        </p:nvPicPr>
-        <p:blipFill>
-          <a:blip r:embed="rId3" cstate="print"/>
-          <a:srcRect/>
-          <a:stretch>
-            <a:fillRect/>
-          </a:stretch>
-        </p:blipFill>
-        <p:spPr bwMode="auto">
-          <a:xfrm>
-            <a:off x="1331640" y="1628800"/>
-            <a:ext cx="216024" cy="192372"/>
-          </a:xfrm>
-          <a:prstGeom prst="rect">
-            <a:avLst/>
-          </a:prstGeom>
-          <a:noFill/>
-        </p:spPr>
-      </p:pic>
-      <p:pic>
-        <p:nvPicPr>
-          <p:cNvPr id="3074" name="Picture 2" descr="{&quot;backgroundColor&quot;:&quot;#FFFFFF&quot;,&quot;backgroundColorNonDefault&quot;:false,&quot;type&quot;:&quot;$&quot;,&quot;font&quot;:{&quot;color&quot;:&quot;#000000&quot;,&quot;family&quot;:&quot;Arial&quot;,&quot;size&quot;:12.000000321804125},&quot;code&quot;:&quot;$y_{i}$&quot;,&quot;aid&quot;:null,&quot;id&quot;:&quot;2&quot;,&quot;ts&quot;:1606139958834,&quot;cs&quot;:&quot;c43ky/Qlggc+8MykYYXOlQ==&quot;,&quot;size&quot;:{&quot;width&quot;:13.000005466731514,&quot;height&quot;:12.50000525647261}}"/>
-          <p:cNvPicPr>
-            <a:picLocks noChangeAspect="1" noChangeArrowheads="1"/>
-          </p:cNvPicPr>
-          <p:nvPr/>
-        </p:nvPicPr>
-        <p:blipFill>
-          <a:blip r:embed="rId4" cstate="print"/>
-          <a:srcRect/>
-          <a:stretch>
-            <a:fillRect/>
-          </a:stretch>
-        </p:blipFill>
-        <p:spPr bwMode="auto">
-          <a:xfrm>
-            <a:off x="1547665" y="3266316"/>
-            <a:ext cx="177116" cy="170304"/>
-          </a:xfrm>
-          <a:prstGeom prst="rect">
-            <a:avLst/>
-          </a:prstGeom>
-          <a:noFill/>
-        </p:spPr>
-      </p:pic>
-      <p:pic>
-        <p:nvPicPr>
-          <p:cNvPr id="3076" name="Picture 4" descr="{&quot;type&quot;:&quot;$&quot;,&quot;id&quot;:&quot;3&quot;,&quot;backgroundColorNonDefault&quot;:false,&quot;aid&quot;:null,&quot;code&quot;:&quot;$w_{ij}$&quot;,&quot;font&quot;:{&quot;color&quot;:&quot;#000000&quot;,&quot;size&quot;:12.000000321804126,&quot;family&quot;:&quot;Arial&quot;},&quot;backgroundColor&quot;:&quot;#FFFFFF&quot;,&quot;ts&quot;:1606140178541,&quot;cs&quot;:&quot;we8gq+lhBxZEkbN5k3ZskA==&quot;,&quot;size&quot;:{&quot;width&quot;:22.666676198403668,&quot;height&quot;:14.000005887249323}}"/>
-          <p:cNvPicPr>
-            <a:picLocks noChangeAspect="1" noChangeArrowheads="1"/>
-          </p:cNvPicPr>
-          <p:nvPr/>
-        </p:nvPicPr>
-        <p:blipFill>
-          <a:blip r:embed="rId5" cstate="print"/>
-          <a:srcRect/>
-          <a:stretch>
-            <a:fillRect/>
-          </a:stretch>
-        </p:blipFill>
-        <p:spPr bwMode="auto">
-          <a:xfrm>
-            <a:off x="6251044" y="3542536"/>
-            <a:ext cx="360040" cy="222377"/>
-          </a:xfrm>
-          <a:prstGeom prst="rect">
-            <a:avLst/>
-          </a:prstGeom>
-          <a:noFill/>
-        </p:spPr>
-      </p:pic>
-      <p:pic>
-        <p:nvPicPr>
-          <p:cNvPr id="3078" name="Picture 6" descr="{&quot;font&quot;:{&quot;color&quot;:&quot;#000000&quot;,&quot;size&quot;:12.000000321804123,&quot;family&quot;:&quot;Arial&quot;},&quot;code&quot;:&quot;$x_{j}\\,=\\,$&quot;,&quot;backgroundColorNonDefault&quot;:false,&quot;aid&quot;:null,&quot;id&quot;:&quot;4&quot;,&quot;type&quot;:&quot;$&quot;,&quot;backgroundColor&quot;:&quot;#FFFFFF&quot;,&quot;ts&quot;:1606140410117,&quot;cs&quot;:&quot;eug6Wk8Rz/iO3HcWiojwvg==&quot;,&quot;size&quot;:{&quot;width&quot;:38.833349663441574,&quot;height&quot;:14.333339360755259}}"/>
-          <p:cNvPicPr>
-            <a:picLocks noChangeAspect="1" noChangeArrowheads="1"/>
-          </p:cNvPicPr>
-          <p:nvPr/>
-        </p:nvPicPr>
-        <p:blipFill>
-          <a:blip r:embed="rId6" cstate="print"/>
-          <a:srcRect/>
-          <a:stretch>
-            <a:fillRect/>
-          </a:stretch>
-        </p:blipFill>
-        <p:spPr bwMode="auto">
-          <a:xfrm>
-            <a:off x="2377852" y="4534480"/>
-            <a:ext cx="1368152" cy="504984"/>
-          </a:xfrm>
-          <a:prstGeom prst="rect">
-            <a:avLst/>
-          </a:prstGeom>
-          <a:noFill/>
-        </p:spPr>
-      </p:pic>
-      <p:pic>
-        <p:nvPicPr>
-          <p:cNvPr id="3080" name="Picture 8" descr="{&quot;code&quot;:&quot;$\\Sigma $&quot;,&quot;id&quot;:&quot;4&quot;,&quot;font&quot;:{&quot;size&quot;:111.24137651017935,&quot;color&quot;:&quot;#000000&quot;,&quot;family&quot;:&quot;Arial&quot;},&quot;backgroundColorNonDefault&quot;:false,&quot;aid&quot;:null,&quot;backgroundColor&quot;:&quot;#FFFFFF&quot;,&quot;type&quot;:&quot;$&quot;,&quot;ts&quot;:1606140455783,&quot;cs&quot;:&quot;ORV9nNH+ziv+LTWbavNa2w==&quot;,&quot;size&quot;:{&quot;width&quot;:108.66671236293523,&quot;height&quot;:120.8333841459019}}"/>
-          <p:cNvPicPr>
-            <a:picLocks noChangeAspect="1" noChangeArrowheads="1"/>
-          </p:cNvPicPr>
-          <p:nvPr/>
-        </p:nvPicPr>
-        <p:blipFill>
-          <a:blip r:embed="rId7" cstate="print"/>
-          <a:srcRect/>
-          <a:stretch>
-            <a:fillRect/>
-          </a:stretch>
-        </p:blipFill>
-        <p:spPr bwMode="auto">
-          <a:xfrm>
-            <a:off x="4124712" y="4315956"/>
-            <a:ext cx="777091" cy="864096"/>
-          </a:xfrm>
-          <a:prstGeom prst="rect">
-            <a:avLst/>
-          </a:prstGeom>
-          <a:noFill/>
-        </p:spPr>
-      </p:pic>
-      <p:pic>
-        <p:nvPicPr>
-          <p:cNvPr id="16" name="Picture 2" descr="{&quot;backgroundColor&quot;:&quot;#FFFFFF&quot;,&quot;backgroundColorNonDefault&quot;:false,&quot;type&quot;:&quot;$&quot;,&quot;font&quot;:{&quot;color&quot;:&quot;#000000&quot;,&quot;family&quot;:&quot;Arial&quot;,&quot;size&quot;:12.000000321804125},&quot;code&quot;:&quot;$y_{i}$&quot;,&quot;aid&quot;:null,&quot;id&quot;:&quot;2&quot;,&quot;ts&quot;:1606139958834,&quot;cs&quot;:&quot;c43ky/Qlggc+8MykYYXOlQ==&quot;,&quot;size&quot;:{&quot;width&quot;:13.000005466731514,&quot;height&quot;:12.50000525647261}}"/>
-          <p:cNvPicPr>
-            <a:picLocks noChangeAspect="1" noChangeArrowheads="1"/>
-          </p:cNvPicPr>
-          <p:nvPr/>
-        </p:nvPicPr>
-        <p:blipFill>
-          <a:blip r:embed="rId8" cstate="print"/>
-          <a:srcRect/>
-          <a:stretch>
-            <a:fillRect/>
-          </a:stretch>
-        </p:blipFill>
-        <p:spPr bwMode="auto">
-          <a:xfrm>
-            <a:off x="5186164" y="4509120"/>
-            <a:ext cx="426224" cy="409831"/>
-          </a:xfrm>
-          <a:prstGeom prst="rect">
-            <a:avLst/>
-          </a:prstGeom>
-          <a:noFill/>
-        </p:spPr>
-      </p:pic>
-      <p:pic>
-        <p:nvPicPr>
-          <p:cNvPr id="17" name="Picture 4" descr="{&quot;type&quot;:&quot;$&quot;,&quot;id&quot;:&quot;3&quot;,&quot;backgroundColorNonDefault&quot;:false,&quot;aid&quot;:null,&quot;code&quot;:&quot;$w_{ij}$&quot;,&quot;font&quot;:{&quot;color&quot;:&quot;#000000&quot;,&quot;size&quot;:12.000000321804126,&quot;family&quot;:&quot;Arial&quot;},&quot;backgroundColor&quot;:&quot;#FFFFFF&quot;,&quot;ts&quot;:1606140178541,&quot;cs&quot;:&quot;we8gq+lhBxZEkbN5k3ZskA==&quot;,&quot;size&quot;:{&quot;width&quot;:22.666676198403668,&quot;height&quot;:14.000005887249323}}"/>
-          <p:cNvPicPr>
-            <a:picLocks noChangeAspect="1" noChangeArrowheads="1"/>
-          </p:cNvPicPr>
-          <p:nvPr/>
-        </p:nvPicPr>
-        <p:blipFill>
-          <a:blip r:embed="rId9" cstate="print"/>
-          <a:srcRect/>
-          <a:stretch>
-            <a:fillRect/>
-          </a:stretch>
-        </p:blipFill>
-        <p:spPr bwMode="auto">
-          <a:xfrm>
-            <a:off x="5871570" y="4501500"/>
-            <a:ext cx="788662" cy="487113"/>
-          </a:xfrm>
-          <a:prstGeom prst="rect">
-            <a:avLst/>
-          </a:prstGeom>
-          <a:noFill/>
-        </p:spPr>
-      </p:pic>
+      <mc:AlternateContent xmlns:mc="http://schemas.openxmlformats.org/markup-compatibility/2006">
+        <mc:Choice xmlns:a14="http://schemas.microsoft.com/office/drawing/2010/main" Requires="a14">
+          <p:sp>
+            <p:nvSpPr>
+              <p:cNvPr id="31" name="직사각형 30"/>
+              <p:cNvSpPr/>
+              <p:nvPr/>
+            </p:nvSpPr>
+            <p:spPr>
+              <a:xfrm>
+                <a:off x="545925" y="1237961"/>
+                <a:ext cx="7949683" cy="2637902"/>
+              </a:xfrm>
+              <a:prstGeom prst="rect">
+                <a:avLst/>
+              </a:prstGeom>
+            </p:spPr>
+            <p:txBody>
+              <a:bodyPr wrap="square">
+                <a:spAutoFit/>
+              </a:bodyPr>
+              <a:lstStyle/>
+              <a:p>
+                <a:endParaRPr lang="en-US" altLang="ko-KR" b="1" dirty="0" smtClean="0"/>
+              </a:p>
+              <a:p>
+                <a:r>
+                  <a:rPr lang="en-US" altLang="ko-KR" b="1" dirty="0" smtClean="0"/>
+                  <a:t>Input</a:t>
+                </a:r>
+                <a14:m>
+                  <m:oMath xmlns:m="http://schemas.openxmlformats.org/officeDocument/2006/math">
+                    <m:sSub>
+                      <m:sSubPr>
+                        <m:ctrlPr>
+                          <a:rPr lang="en-US" altLang="ko-KR" b="1" i="1" smtClean="0">
+                            <a:latin typeface="Cambria Math" panose="02040503050406030204" pitchFamily="18" charset="0"/>
+                          </a:rPr>
+                        </m:ctrlPr>
+                      </m:sSubPr>
+                      <m:e>
+                        <m:r>
+                          <a:rPr lang="en-US" altLang="ko-KR" b="1" i="1" smtClean="0">
+                            <a:latin typeface="Cambria Math" panose="02040503050406030204" pitchFamily="18" charset="0"/>
+                          </a:rPr>
+                          <m:t> </m:t>
+                        </m:r>
+                        <m:r>
+                          <a:rPr lang="en-US" altLang="ko-KR" b="1" i="1" smtClean="0">
+                            <a:latin typeface="Cambria Math" panose="02040503050406030204" pitchFamily="18" charset="0"/>
+                          </a:rPr>
+                          <m:t>𝒙</m:t>
+                        </m:r>
+                      </m:e>
+                      <m:sub>
+                        <m:r>
+                          <a:rPr lang="en-US" altLang="ko-KR" b="1" i="1" smtClean="0">
+                            <a:latin typeface="Cambria Math" panose="02040503050406030204" pitchFamily="18" charset="0"/>
+                          </a:rPr>
+                          <m:t>𝒋</m:t>
+                        </m:r>
+                      </m:sub>
+                    </m:sSub>
+                  </m:oMath>
+                </a14:m>
+                <a:endParaRPr lang="en-US" altLang="ko-KR" b="1" dirty="0" smtClean="0"/>
+              </a:p>
+              <a:p>
+                <a:endParaRPr lang="en-US" altLang="ko-KR" b="1" dirty="0" smtClean="0"/>
+              </a:p>
+              <a:p>
+                <a:r>
+                  <a:rPr lang="en-US" altLang="ko-KR" dirty="0" smtClean="0"/>
+                  <a:t>-&gt; input of higher layer will be a weighted sum of the outputs of all of the lower layer units that feed into it</a:t>
+                </a:r>
+              </a:p>
+              <a:p>
+                <a:r>
+                  <a:rPr lang="en-US" altLang="ko-KR" dirty="0" smtClean="0"/>
+                  <a:t>-&gt; </a:t>
+                </a:r>
+                <a:r>
+                  <a:rPr lang="en-US" altLang="ko-KR" dirty="0" err="1" smtClean="0"/>
+                  <a:t>i</a:t>
+                </a:r>
+                <a:r>
+                  <a:rPr lang="en-US" altLang="ko-KR" dirty="0" smtClean="0"/>
+                  <a:t> feeds into j</a:t>
+                </a:r>
+              </a:p>
+              <a:p>
+                <a:endParaRPr lang="en-US" altLang="ko-KR" b="1" dirty="0" smtClean="0"/>
+              </a:p>
+              <a:p>
+                <a:r>
+                  <a:rPr lang="en-US" altLang="ko-KR" b="1" dirty="0" smtClean="0"/>
+                  <a:t>Output </a:t>
+                </a:r>
+                <a14:m>
+                  <m:oMath xmlns:m="http://schemas.openxmlformats.org/officeDocument/2006/math">
+                    <m:sSub>
+                      <m:sSubPr>
+                        <m:ctrlPr>
+                          <a:rPr lang="en-US" altLang="ko-KR" b="1" i="1" smtClean="0">
+                            <a:latin typeface="Cambria Math" panose="02040503050406030204" pitchFamily="18" charset="0"/>
+                          </a:rPr>
+                        </m:ctrlPr>
+                      </m:sSubPr>
+                      <m:e>
+                        <m:r>
+                          <a:rPr lang="en-US" altLang="ko-KR" b="1" i="1" smtClean="0">
+                            <a:latin typeface="Cambria Math" panose="02040503050406030204" pitchFamily="18" charset="0"/>
+                          </a:rPr>
+                          <m:t>𝒚</m:t>
+                        </m:r>
+                      </m:e>
+                      <m:sub>
+                        <m:r>
+                          <a:rPr lang="en-US" altLang="ko-KR" b="1" i="1" smtClean="0">
+                            <a:latin typeface="Cambria Math" panose="02040503050406030204" pitchFamily="18" charset="0"/>
+                          </a:rPr>
+                          <m:t>𝒊</m:t>
+                        </m:r>
+                      </m:sub>
+                    </m:sSub>
+                  </m:oMath>
+                </a14:m>
+                <a:endParaRPr lang="en-US" altLang="ko-KR" b="1" dirty="0" smtClean="0"/>
+              </a:p>
+              <a:p>
+                <a:r>
+                  <a:rPr lang="en-US" altLang="ko-KR" b="1" dirty="0" smtClean="0"/>
+                  <a:t>Adjusted by a weight on the link between </a:t>
+                </a:r>
+                <a:r>
+                  <a:rPr lang="en-US" altLang="ko-KR" b="1" dirty="0" err="1" smtClean="0"/>
+                  <a:t>i</a:t>
+                </a:r>
+                <a:r>
+                  <a:rPr lang="en-US" altLang="ko-KR" b="1" dirty="0" smtClean="0"/>
+                  <a:t> and j </a:t>
+                </a:r>
+                <a:r>
+                  <a:rPr lang="en-US" altLang="ko-KR" b="1" dirty="0" smtClean="0"/>
+                  <a:t> </a:t>
+                </a:r>
+                <a14:m>
+                  <m:oMath xmlns:m="http://schemas.openxmlformats.org/officeDocument/2006/math">
+                    <m:sSub>
+                      <m:sSubPr>
+                        <m:ctrlPr>
+                          <a:rPr lang="en-US" altLang="ko-KR" b="1" i="1" smtClean="0">
+                            <a:latin typeface="Cambria Math" panose="02040503050406030204" pitchFamily="18" charset="0"/>
+                          </a:rPr>
+                        </m:ctrlPr>
+                      </m:sSubPr>
+                      <m:e>
+                        <m:r>
+                          <a:rPr lang="en-US" altLang="ko-KR" b="1" i="1" smtClean="0">
+                            <a:latin typeface="Cambria Math" panose="02040503050406030204" pitchFamily="18" charset="0"/>
+                          </a:rPr>
+                          <m:t>𝒘</m:t>
+                        </m:r>
+                      </m:e>
+                      <m:sub>
+                        <m:r>
+                          <a:rPr lang="en-US" altLang="ko-KR" b="1" i="1" smtClean="0">
+                            <a:latin typeface="Cambria Math" panose="02040503050406030204" pitchFamily="18" charset="0"/>
+                          </a:rPr>
+                          <m:t>𝒊𝒋</m:t>
+                        </m:r>
+                      </m:sub>
+                    </m:sSub>
+                  </m:oMath>
+                </a14:m>
+                <a:r>
+                  <a:rPr lang="en-US" altLang="ko-KR" b="1" dirty="0" smtClean="0"/>
+                  <a:t>   </a:t>
+                </a:r>
+                <a:endParaRPr lang="en-US" altLang="ko-KR" b="1" dirty="0" smtClean="0"/>
+              </a:p>
+            </p:txBody>
+          </p:sp>
+        </mc:Choice>
+        <mc:Fallback>
+          <p:sp>
+            <p:nvSpPr>
+              <p:cNvPr id="31" name="직사각형 30"/>
+              <p:cNvSpPr>
+                <a:spLocks noRot="1" noChangeAspect="1" noMove="1" noResize="1" noEditPoints="1" noAdjustHandles="1" noChangeArrowheads="1" noChangeShapeType="1" noTextEdit="1"/>
+              </p:cNvSpPr>
+              <p:nvPr/>
+            </p:nvSpPr>
+            <p:spPr>
+              <a:xfrm>
+                <a:off x="545925" y="1237961"/>
+                <a:ext cx="7949683" cy="2637902"/>
+              </a:xfrm>
+              <a:prstGeom prst="rect">
+                <a:avLst/>
+              </a:prstGeom>
+              <a:blipFill>
+                <a:blip r:embed="rId3"/>
+                <a:stretch>
+                  <a:fillRect l="-690" b="-1386"/>
+                </a:stretch>
+              </a:blipFill>
+            </p:spPr>
+            <p:txBody>
+              <a:bodyPr/>
+              <a:lstStyle/>
+              <a:p>
+                <a:r>
+                  <a:rPr lang="ko-KR" altLang="en-US">
+                    <a:noFill/>
+                  </a:rPr>
+                  <a:t> </a:t>
+                </a:r>
+              </a:p>
+            </p:txBody>
+          </p:sp>
+        </mc:Fallback>
+      </mc:AlternateContent>
+      <mc:AlternateContent xmlns:mc="http://schemas.openxmlformats.org/markup-compatibility/2006">
+        <mc:Choice xmlns:a14="http://schemas.microsoft.com/office/drawing/2010/main" Requires="a14">
+          <p:sp>
+            <p:nvSpPr>
+              <p:cNvPr id="6" name="TextBox 5"/>
+              <p:cNvSpPr txBox="1"/>
+              <p:nvPr/>
+            </p:nvSpPr>
+            <p:spPr>
+              <a:xfrm>
+                <a:off x="3372207" y="4108702"/>
+                <a:ext cx="2639953" cy="1192506"/>
+              </a:xfrm>
+              <a:prstGeom prst="rect">
+                <a:avLst/>
+              </a:prstGeom>
+              <a:noFill/>
+            </p:spPr>
+            <p:txBody>
+              <a:bodyPr wrap="none" lIns="0" tIns="0" rIns="0" bIns="0" rtlCol="0">
+                <a:spAutoFit/>
+              </a:bodyPr>
+              <a:lstStyle/>
+              <a:p>
+                <a14:m>
+                  <m:oMathPara xmlns:m="http://schemas.openxmlformats.org/officeDocument/2006/math">
+                    <m:oMathParaPr>
+                      <m:jc m:val="centerGroup"/>
+                    </m:oMathParaPr>
+                    <m:oMath xmlns:m="http://schemas.openxmlformats.org/officeDocument/2006/math">
+                      <m:sSub>
+                        <m:sSubPr>
+                          <m:ctrlPr>
+                            <a:rPr lang="en-US" altLang="ko-KR" sz="3200" i="1" smtClean="0">
+                              <a:latin typeface="Cambria Math" panose="02040503050406030204" pitchFamily="18" charset="0"/>
+                            </a:rPr>
+                          </m:ctrlPr>
+                        </m:sSubPr>
+                        <m:e>
+                          <m:r>
+                            <a:rPr lang="en-US" altLang="ko-KR" sz="3200" b="0" i="1" smtClean="0">
+                              <a:latin typeface="Cambria Math" panose="02040503050406030204" pitchFamily="18" charset="0"/>
+                            </a:rPr>
+                            <m:t>𝑥</m:t>
+                          </m:r>
+                        </m:e>
+                        <m:sub>
+                          <m:r>
+                            <a:rPr lang="en-US" altLang="ko-KR" sz="3200" b="0" i="1" smtClean="0">
+                              <a:latin typeface="Cambria Math" panose="02040503050406030204" pitchFamily="18" charset="0"/>
+                            </a:rPr>
+                            <m:t>𝑗</m:t>
+                          </m:r>
+                        </m:sub>
+                      </m:sSub>
+                      <m:r>
+                        <a:rPr lang="en-US" altLang="ko-KR" sz="3200" b="0" i="1" smtClean="0">
+                          <a:latin typeface="Cambria Math" panose="02040503050406030204" pitchFamily="18" charset="0"/>
+                        </a:rPr>
+                        <m:t>= </m:t>
+                      </m:r>
+                      <m:nary>
+                        <m:naryPr>
+                          <m:chr m:val="∑"/>
+                          <m:subHide m:val="on"/>
+                          <m:supHide m:val="on"/>
+                          <m:ctrlPr>
+                            <a:rPr lang="en-US" altLang="ko-KR" sz="3200" b="0" i="1" smtClean="0">
+                              <a:latin typeface="Cambria Math" panose="02040503050406030204" pitchFamily="18" charset="0"/>
+                            </a:rPr>
+                          </m:ctrlPr>
+                        </m:naryPr>
+                        <m:sub/>
+                        <m:sup/>
+                        <m:e>
+                          <m:sSub>
+                            <m:sSubPr>
+                              <m:ctrlPr>
+                                <a:rPr lang="en-US" altLang="ko-KR" sz="3200" b="0" i="1" smtClean="0">
+                                  <a:latin typeface="Cambria Math" panose="02040503050406030204" pitchFamily="18" charset="0"/>
+                                </a:rPr>
+                              </m:ctrlPr>
+                            </m:sSubPr>
+                            <m:e>
+                              <m:r>
+                                <a:rPr lang="en-US" altLang="ko-KR" sz="3200" b="0" i="1" smtClean="0">
+                                  <a:latin typeface="Cambria Math" panose="02040503050406030204" pitchFamily="18" charset="0"/>
+                                </a:rPr>
+                                <m:t>𝑦</m:t>
+                              </m:r>
+                            </m:e>
+                            <m:sub>
+                              <m:r>
+                                <a:rPr lang="en-US" altLang="ko-KR" sz="3200" b="0" i="1" smtClean="0">
+                                  <a:latin typeface="Cambria Math" panose="02040503050406030204" pitchFamily="18" charset="0"/>
+                                </a:rPr>
+                                <m:t>𝑖</m:t>
+                              </m:r>
+                            </m:sub>
+                          </m:sSub>
+                          <m:sSub>
+                            <m:sSubPr>
+                              <m:ctrlPr>
+                                <a:rPr lang="en-US" altLang="ko-KR" sz="3200" b="0" i="1" smtClean="0">
+                                  <a:latin typeface="Cambria Math" panose="02040503050406030204" pitchFamily="18" charset="0"/>
+                                </a:rPr>
+                              </m:ctrlPr>
+                            </m:sSubPr>
+                            <m:e>
+                              <m:r>
+                                <a:rPr lang="en-US" altLang="ko-KR" sz="3200" b="0" i="1" smtClean="0">
+                                  <a:latin typeface="Cambria Math" panose="02040503050406030204" pitchFamily="18" charset="0"/>
+                                </a:rPr>
+                                <m:t>𝑤</m:t>
+                              </m:r>
+                            </m:e>
+                            <m:sub>
+                              <m:r>
+                                <a:rPr lang="en-US" altLang="ko-KR" sz="3200" b="0" i="1" smtClean="0">
+                                  <a:latin typeface="Cambria Math" panose="02040503050406030204" pitchFamily="18" charset="0"/>
+                                </a:rPr>
+                                <m:t>𝑖𝑗</m:t>
+                              </m:r>
+                            </m:sub>
+                          </m:sSub>
+                        </m:e>
+                      </m:nary>
+                    </m:oMath>
+                  </m:oMathPara>
+                </a14:m>
+                <a:endParaRPr lang="ko-KR" altLang="en-US" sz="3200" dirty="0"/>
+              </a:p>
+            </p:txBody>
+          </p:sp>
+        </mc:Choice>
+        <mc:Fallback>
+          <p:sp>
+            <p:nvSpPr>
+              <p:cNvPr id="6" name="TextBox 5"/>
+              <p:cNvSpPr txBox="1">
+                <a:spLocks noRot="1" noChangeAspect="1" noMove="1" noResize="1" noEditPoints="1" noAdjustHandles="1" noChangeArrowheads="1" noChangeShapeType="1" noTextEdit="1"/>
+              </p:cNvSpPr>
+              <p:nvPr/>
+            </p:nvSpPr>
+            <p:spPr>
+              <a:xfrm>
+                <a:off x="3372207" y="4108702"/>
+                <a:ext cx="2639953" cy="1192506"/>
+              </a:xfrm>
+              <a:prstGeom prst="rect">
+                <a:avLst/>
+              </a:prstGeom>
+              <a:blipFill>
+                <a:blip r:embed="rId4"/>
+                <a:stretch>
+                  <a:fillRect/>
+                </a:stretch>
+              </a:blipFill>
+            </p:spPr>
+            <p:txBody>
+              <a:bodyPr/>
+              <a:lstStyle/>
+              <a:p>
+                <a:r>
+                  <a:rPr lang="ko-KR" altLang="en-US">
+                    <a:noFill/>
+                  </a:rPr>
+                  <a:t> </a:t>
+                </a:r>
+              </a:p>
+            </p:txBody>
+          </p:sp>
+        </mc:Fallback>
+      </mc:AlternateContent>
     </p:spTree>
   </p:cSld>
   <p:clrMapOvr>
@@ -6627,129 +6760,275 @@
           </p:txBody>
         </p:sp>
       </p:grpSp>
-      <p:sp>
-        <p:nvSpPr>
-          <p:cNvPr id="31" name="직사각형 30"/>
-          <p:cNvSpPr/>
-          <p:nvPr/>
-        </p:nvSpPr>
-        <p:spPr>
-          <a:xfrm>
-            <a:off x="545925" y="1237961"/>
-            <a:ext cx="7949683" cy="3416320"/>
-          </a:xfrm>
-          <a:prstGeom prst="rect">
-            <a:avLst/>
-          </a:prstGeom>
-        </p:spPr>
-        <p:txBody>
-          <a:bodyPr wrap="square">
-            <a:spAutoFit/>
-          </a:bodyPr>
-          <a:lstStyle/>
-          <a:p>
-            <a:endParaRPr lang="en-US" altLang="ko-KR" dirty="0" smtClean="0"/>
-          </a:p>
-          <a:p>
-            <a:r>
-              <a:rPr lang="en-US" altLang="ko-KR" b="1" dirty="0" smtClean="0"/>
-              <a:t>Output  </a:t>
-            </a:r>
-            <a:r>
-              <a:rPr lang="en-US" altLang="ko-KR" b="1" dirty="0" err="1" smtClean="0"/>
-              <a:t>yj</a:t>
-            </a:r>
-            <a:endParaRPr lang="en-US" altLang="ko-KR" b="1" dirty="0" smtClean="0"/>
-          </a:p>
-          <a:p>
-            <a:r>
-              <a:rPr lang="en-US" altLang="ko-KR" dirty="0" smtClean="0"/>
-              <a:t>-&gt; </a:t>
-            </a:r>
-            <a:r>
-              <a:rPr lang="en-US" altLang="ko-KR" b="1" dirty="0" smtClean="0"/>
-              <a:t>Activation function </a:t>
-            </a:r>
-            <a:r>
-              <a:rPr lang="en-US" altLang="ko-KR" dirty="0" smtClean="0"/>
-              <a:t>in this paper is the </a:t>
-            </a:r>
-            <a:r>
-              <a:rPr lang="en-US" altLang="ko-KR" b="1" dirty="0" smtClean="0"/>
-              <a:t>sigmoid function</a:t>
-            </a:r>
-          </a:p>
-          <a:p>
-            <a:endParaRPr lang="en-US" altLang="ko-KR" b="1" dirty="0" smtClean="0"/>
-          </a:p>
-          <a:p>
-            <a:endParaRPr lang="en-US" altLang="ko-KR" b="1" dirty="0" smtClean="0"/>
-          </a:p>
-          <a:p>
-            <a:endParaRPr lang="en-US" altLang="ko-KR" b="1" dirty="0" smtClean="0"/>
-          </a:p>
-          <a:p>
-            <a:endParaRPr lang="en-US" altLang="ko-KR" b="1" dirty="0" smtClean="0"/>
-          </a:p>
-          <a:p>
-            <a:endParaRPr lang="en-US" altLang="ko-KR" b="1" dirty="0" smtClean="0"/>
-          </a:p>
-          <a:p>
-            <a:endParaRPr lang="en-US" altLang="ko-KR" b="1" dirty="0" smtClean="0"/>
-          </a:p>
-          <a:p>
-            <a:r>
-              <a:rPr lang="en-US" altLang="ko-KR" dirty="0" smtClean="0"/>
-              <a:t>-&gt; By repeating this procedure, starting with the </a:t>
-            </a:r>
-            <a:r>
-              <a:rPr lang="en-US" altLang="ko-KR" b="1" dirty="0" smtClean="0"/>
-              <a:t>input layer</a:t>
-            </a:r>
-            <a:r>
-              <a:rPr lang="en-US" altLang="ko-KR" dirty="0" smtClean="0"/>
-              <a:t>, </a:t>
-            </a:r>
-          </a:p>
-          <a:p>
-            <a:r>
-              <a:rPr lang="en-US" altLang="ko-KR" dirty="0" smtClean="0"/>
-              <a:t>we can feed-forward through the network layers and arrive at a set of </a:t>
-            </a:r>
-            <a:r>
-              <a:rPr lang="en-US" altLang="ko-KR" b="1" dirty="0" smtClean="0"/>
-              <a:t>outputs for the output layer</a:t>
-            </a:r>
-            <a:endParaRPr lang="en-US" altLang="ko-KR" b="1" dirty="0" smtClean="0"/>
-          </a:p>
-        </p:txBody>
-      </p:sp>
-      <p:pic>
-        <p:nvPicPr>
-          <p:cNvPr id="23554" name="Picture 2" descr="\displaystyle y_j = \frac{1}{1 + e^{-x_j}}"/>
-          <p:cNvPicPr>
-            <a:picLocks noChangeAspect="1" noChangeArrowheads="1"/>
-          </p:cNvPicPr>
-          <p:nvPr/>
-        </p:nvPicPr>
-        <p:blipFill>
-          <a:blip r:embed="rId3" cstate="print"/>
-          <a:srcRect/>
-          <a:stretch>
-            <a:fillRect/>
-          </a:stretch>
-        </p:blipFill>
-        <p:spPr bwMode="auto">
-          <a:xfrm>
-            <a:off x="755576" y="2276872"/>
-            <a:ext cx="2496270" cy="936104"/>
-          </a:xfrm>
-          <a:prstGeom prst="rect">
-            <a:avLst/>
-          </a:prstGeom>
-          <a:noFill/>
-        </p:spPr>
-      </p:pic>
+      <mc:AlternateContent xmlns:mc="http://schemas.openxmlformats.org/markup-compatibility/2006">
+        <mc:Choice xmlns:a14="http://schemas.microsoft.com/office/drawing/2010/main" Requires="a14">
+          <p:sp>
+            <p:nvSpPr>
+              <p:cNvPr id="31" name="직사각형 30"/>
+              <p:cNvSpPr/>
+              <p:nvPr/>
+            </p:nvSpPr>
+            <p:spPr>
+              <a:xfrm>
+                <a:off x="545925" y="1237961"/>
+                <a:ext cx="7949683" cy="3384645"/>
+              </a:xfrm>
+              <a:prstGeom prst="rect">
+                <a:avLst/>
+              </a:prstGeom>
+            </p:spPr>
+            <p:txBody>
+              <a:bodyPr wrap="square">
+                <a:spAutoFit/>
+              </a:bodyPr>
+              <a:lstStyle/>
+              <a:p>
+                <a:endParaRPr lang="en-US" altLang="ko-KR" dirty="0" smtClean="0"/>
+              </a:p>
+              <a:p>
+                <a:r>
+                  <a:rPr lang="en-US" altLang="ko-KR" b="1" dirty="0" smtClean="0"/>
+                  <a:t>Output  </a:t>
+                </a:r>
+                <a14:m>
+                  <m:oMath xmlns:m="http://schemas.openxmlformats.org/officeDocument/2006/math">
+                    <m:sSub>
+                      <m:sSubPr>
+                        <m:ctrlPr>
+                          <a:rPr lang="en-US" altLang="ko-KR" b="1" i="1" smtClean="0">
+                            <a:latin typeface="Cambria Math" panose="02040503050406030204" pitchFamily="18" charset="0"/>
+                          </a:rPr>
+                        </m:ctrlPr>
+                      </m:sSubPr>
+                      <m:e>
+                        <m:r>
+                          <a:rPr lang="en-US" altLang="ko-KR" b="1" i="1" smtClean="0">
+                            <a:latin typeface="Cambria Math" panose="02040503050406030204" pitchFamily="18" charset="0"/>
+                          </a:rPr>
+                          <m:t>𝒚</m:t>
+                        </m:r>
+                      </m:e>
+                      <m:sub>
+                        <m:r>
+                          <a:rPr lang="en-US" altLang="ko-KR" b="1" i="1" smtClean="0">
+                            <a:latin typeface="Cambria Math" panose="02040503050406030204" pitchFamily="18" charset="0"/>
+                          </a:rPr>
+                          <m:t>𝒋</m:t>
+                        </m:r>
+                      </m:sub>
+                    </m:sSub>
+                  </m:oMath>
+                </a14:m>
+                <a:endParaRPr lang="en-US" altLang="ko-KR" b="1" dirty="0" smtClean="0"/>
+              </a:p>
+              <a:p>
+                <a:r>
+                  <a:rPr lang="en-US" altLang="ko-KR" dirty="0" smtClean="0"/>
+                  <a:t>-&gt; </a:t>
+                </a:r>
+                <a:r>
+                  <a:rPr lang="en-US" altLang="ko-KR" b="1" dirty="0" smtClean="0"/>
+                  <a:t>Activation function </a:t>
+                </a:r>
+                <a:r>
+                  <a:rPr lang="en-US" altLang="ko-KR" dirty="0" smtClean="0"/>
+                  <a:t>in this paper is the </a:t>
+                </a:r>
+                <a:r>
+                  <a:rPr lang="en-US" altLang="ko-KR" b="1" dirty="0" smtClean="0"/>
+                  <a:t>sigmoid function</a:t>
+                </a:r>
+              </a:p>
+              <a:p>
+                <a:endParaRPr lang="en-US" altLang="ko-KR" b="1" dirty="0" smtClean="0"/>
+              </a:p>
+              <a:p>
+                <a14:m>
+                  <m:oMathPara xmlns:m="http://schemas.openxmlformats.org/officeDocument/2006/math">
+                    <m:oMathParaPr>
+                      <m:jc m:val="centerGroup"/>
+                    </m:oMathParaPr>
+                    <m:oMath xmlns:m="http://schemas.openxmlformats.org/officeDocument/2006/math">
+                      <m:sSub>
+                        <m:sSubPr>
+                          <m:ctrlPr>
+                            <a:rPr lang="en-US" altLang="ko-KR" sz="3200" i="1" smtClean="0">
+                              <a:latin typeface="Cambria Math" panose="02040503050406030204" pitchFamily="18" charset="0"/>
+                            </a:rPr>
+                          </m:ctrlPr>
+                        </m:sSubPr>
+                        <m:e>
+                          <m:r>
+                            <a:rPr lang="en-US" altLang="ko-KR" sz="3200" b="0" i="1" smtClean="0">
+                              <a:latin typeface="Cambria Math" panose="02040503050406030204" pitchFamily="18" charset="0"/>
+                            </a:rPr>
+                            <m:t>𝑦</m:t>
+                          </m:r>
+                        </m:e>
+                        <m:sub>
+                          <m:r>
+                            <a:rPr lang="en-US" altLang="ko-KR" sz="3200" b="0" i="1" smtClean="0">
+                              <a:latin typeface="Cambria Math" panose="02040503050406030204" pitchFamily="18" charset="0"/>
+                            </a:rPr>
+                            <m:t>𝑗</m:t>
+                          </m:r>
+                        </m:sub>
+                      </m:sSub>
+                      <m:r>
+                        <a:rPr lang="en-US" altLang="ko-KR" sz="3200" b="0" i="1" smtClean="0">
+                          <a:latin typeface="Cambria Math" panose="02040503050406030204" pitchFamily="18" charset="0"/>
+                        </a:rPr>
+                        <m:t>= </m:t>
+                      </m:r>
+                      <m:f>
+                        <m:fPr>
+                          <m:ctrlPr>
+                            <a:rPr lang="en-US" altLang="ko-KR" sz="3200" i="1" smtClean="0">
+                              <a:latin typeface="Cambria Math" panose="02040503050406030204" pitchFamily="18" charset="0"/>
+                            </a:rPr>
+                          </m:ctrlPr>
+                        </m:fPr>
+                        <m:num>
+                          <m:r>
+                            <a:rPr lang="en-US" altLang="ko-KR" sz="3200" b="0" i="1" smtClean="0">
+                              <a:latin typeface="Cambria Math" panose="02040503050406030204" pitchFamily="18" charset="0"/>
+                            </a:rPr>
+                            <m:t>1</m:t>
+                          </m:r>
+                        </m:num>
+                        <m:den>
+                          <m:r>
+                            <a:rPr lang="en-US" altLang="ko-KR" sz="3200" b="0" i="1" smtClean="0">
+                              <a:latin typeface="Cambria Math" panose="02040503050406030204" pitchFamily="18" charset="0"/>
+                            </a:rPr>
+                            <m:t>1+</m:t>
+                          </m:r>
+                          <m:sSup>
+                            <m:sSupPr>
+                              <m:ctrlPr>
+                                <a:rPr lang="en-US" altLang="ko-KR" sz="3200" i="1" smtClean="0">
+                                  <a:latin typeface="Cambria Math" panose="02040503050406030204" pitchFamily="18" charset="0"/>
+                                </a:rPr>
+                              </m:ctrlPr>
+                            </m:sSupPr>
+                            <m:e>
+                              <m:r>
+                                <a:rPr lang="en-US" altLang="ko-KR" sz="3200" b="0" i="1" smtClean="0">
+                                  <a:latin typeface="Cambria Math" panose="02040503050406030204" pitchFamily="18" charset="0"/>
+                                </a:rPr>
+                                <m:t>𝑒</m:t>
+                              </m:r>
+                            </m:e>
+                            <m:sup>
+                              <m:r>
+                                <a:rPr lang="en-US" altLang="ko-KR" sz="3200" b="0" i="1" smtClean="0">
+                                  <a:latin typeface="Cambria Math" panose="02040503050406030204" pitchFamily="18" charset="0"/>
+                                </a:rPr>
+                                <m:t>−</m:t>
+                              </m:r>
+                              <m:sSub>
+                                <m:sSubPr>
+                                  <m:ctrlPr>
+                                    <a:rPr lang="en-US" altLang="ko-KR" sz="3200" i="1" smtClean="0">
+                                      <a:latin typeface="Cambria Math" panose="02040503050406030204" pitchFamily="18" charset="0"/>
+                                    </a:rPr>
+                                  </m:ctrlPr>
+                                </m:sSubPr>
+                                <m:e>
+                                  <m:r>
+                                    <a:rPr lang="en-US" altLang="ko-KR" sz="3200" b="0" i="1" smtClean="0">
+                                      <a:latin typeface="Cambria Math" panose="02040503050406030204" pitchFamily="18" charset="0"/>
+                                    </a:rPr>
+                                    <m:t>𝑥</m:t>
+                                  </m:r>
+                                </m:e>
+                                <m:sub>
+                                  <m:r>
+                                    <a:rPr lang="en-US" altLang="ko-KR" sz="3200" b="0" i="1" smtClean="0">
+                                      <a:latin typeface="Cambria Math" panose="02040503050406030204" pitchFamily="18" charset="0"/>
+                                    </a:rPr>
+                                    <m:t>𝑗</m:t>
+                                  </m:r>
+                                </m:sub>
+                              </m:sSub>
+                            </m:sup>
+                          </m:sSup>
+                        </m:den>
+                      </m:f>
+                    </m:oMath>
+                  </m:oMathPara>
+                </a14:m>
+                <a:endParaRPr lang="en-US" altLang="ko-KR" dirty="0" smtClean="0"/>
+              </a:p>
+              <a:p>
+                <a:endParaRPr lang="en-US" altLang="ko-KR" dirty="0" smtClean="0"/>
+              </a:p>
+              <a:p>
+                <a:r>
+                  <a:rPr lang="en-US" altLang="ko-KR" dirty="0" smtClean="0"/>
+                  <a:t>-&gt; By repeating this procedure, starting with the </a:t>
+                </a:r>
+                <a:r>
+                  <a:rPr lang="en-US" altLang="ko-KR" b="1" dirty="0" smtClean="0"/>
+                  <a:t>input layer</a:t>
+                </a:r>
+                <a:r>
+                  <a:rPr lang="en-US" altLang="ko-KR" dirty="0" smtClean="0"/>
+                  <a:t>, </a:t>
+                </a:r>
+              </a:p>
+              <a:p>
+                <a:r>
+                  <a:rPr lang="en-US" altLang="ko-KR" dirty="0" smtClean="0"/>
+                  <a:t>we can feed-forward through the network layers and arrive at a set of </a:t>
+                </a:r>
+                <a:r>
+                  <a:rPr lang="en-US" altLang="ko-KR" b="1" dirty="0" smtClean="0"/>
+                  <a:t>outputs for the output layer</a:t>
+                </a:r>
+              </a:p>
+            </p:txBody>
+          </p:sp>
+        </mc:Choice>
+        <mc:Fallback>
+          <p:sp>
+            <p:nvSpPr>
+              <p:cNvPr id="31" name="직사각형 30"/>
+              <p:cNvSpPr>
+                <a:spLocks noRot="1" noChangeAspect="1" noMove="1" noResize="1" noEditPoints="1" noAdjustHandles="1" noChangeArrowheads="1" noChangeShapeType="1" noTextEdit="1"/>
+              </p:cNvSpPr>
+              <p:nvPr/>
+            </p:nvSpPr>
+            <p:spPr>
+              <a:xfrm>
+                <a:off x="545925" y="1237961"/>
+                <a:ext cx="7949683" cy="3384645"/>
+              </a:xfrm>
+              <a:prstGeom prst="rect">
+                <a:avLst/>
+              </a:prstGeom>
+              <a:blipFill>
+                <a:blip r:embed="rId3"/>
+                <a:stretch>
+                  <a:fillRect l="-690"/>
+                </a:stretch>
+              </a:blipFill>
+            </p:spPr>
+            <p:txBody>
+              <a:bodyPr/>
+              <a:lstStyle/>
+              <a:p>
+                <a:r>
+                  <a:rPr lang="ko-KR" altLang="en-US">
+                    <a:noFill/>
+                  </a:rPr>
+                  <a:t> </a:t>
+                </a:r>
+              </a:p>
+            </p:txBody>
+          </p:sp>
+        </mc:Fallback>
+      </mc:AlternateContent>
     </p:spTree>
   </p:cSld>
   <p:clrMapOvr>
@@ -7070,125 +7349,343 @@
           </p:txBody>
         </p:sp>
       </p:grpSp>
-      <p:sp>
-        <p:nvSpPr>
-          <p:cNvPr id="17" name="TextBox 16"/>
-          <p:cNvSpPr txBox="1"/>
-          <p:nvPr/>
-        </p:nvSpPr>
-        <p:spPr>
-          <a:xfrm>
-            <a:off x="683568" y="1796623"/>
-            <a:ext cx="7251206" cy="3970318"/>
-          </a:xfrm>
-          <a:prstGeom prst="rect">
-            <a:avLst/>
-          </a:prstGeom>
-          <a:noFill/>
-        </p:spPr>
-        <p:txBody>
-          <a:bodyPr wrap="square" rtlCol="0">
-            <a:spAutoFit/>
-          </a:bodyPr>
-          <a:lstStyle/>
-          <a:p>
-            <a:r>
-              <a:rPr lang="en-US" altLang="ko-KR" dirty="0" smtClean="0"/>
-              <a:t>The aim is to find a set of weights that ensure that </a:t>
-            </a:r>
-          </a:p>
-          <a:p>
-            <a:r>
-              <a:rPr lang="en-US" altLang="ko-KR" dirty="0" smtClean="0"/>
-              <a:t>the output vector is the same as the desired output vector</a:t>
-            </a:r>
-          </a:p>
-          <a:p>
-            <a:endParaRPr lang="en-US" altLang="ko-KR" dirty="0" smtClean="0"/>
-          </a:p>
-          <a:p>
-            <a:r>
-              <a:rPr lang="en-US" altLang="ko-KR" dirty="0" smtClean="0"/>
-              <a:t>-&gt; computed output value of j in output layer   </a:t>
-            </a:r>
-            <a:r>
-              <a:rPr lang="en-US" altLang="ko-KR" dirty="0" err="1" smtClean="0"/>
-              <a:t>yj</a:t>
-            </a:r>
-            <a:endParaRPr lang="en-US" altLang="ko-KR" dirty="0" smtClean="0"/>
-          </a:p>
-          <a:p>
-            <a:r>
-              <a:rPr lang="en-US" altLang="ko-KR" dirty="0" smtClean="0"/>
-              <a:t>-&gt; its desired state   </a:t>
-            </a:r>
-            <a:r>
-              <a:rPr lang="en-US" altLang="ko-KR" dirty="0" err="1" smtClean="0"/>
-              <a:t>dj</a:t>
-            </a:r>
-            <a:endParaRPr lang="en-US" altLang="ko-KR" dirty="0" smtClean="0"/>
-          </a:p>
-          <a:p>
-            <a:endParaRPr lang="en-US" altLang="ko-KR" dirty="0" smtClean="0"/>
-          </a:p>
-          <a:p>
-            <a:endParaRPr lang="en-US" altLang="ko-KR" dirty="0" smtClean="0"/>
-          </a:p>
-          <a:p>
-            <a:endParaRPr lang="en-US" altLang="ko-KR" dirty="0" smtClean="0"/>
-          </a:p>
-          <a:p>
-            <a:endParaRPr lang="en-US" altLang="ko-KR" dirty="0" smtClean="0"/>
-          </a:p>
-          <a:p>
-            <a:endParaRPr lang="en-US" altLang="ko-KR" dirty="0" smtClean="0"/>
-          </a:p>
-          <a:p>
-            <a:r>
-              <a:rPr lang="en-US" altLang="ko-KR" dirty="0" smtClean="0"/>
-              <a:t>-&gt; minimize</a:t>
-            </a:r>
-          </a:p>
-          <a:p>
-            <a:r>
-              <a:rPr lang="en-US" altLang="ko-KR" dirty="0" smtClean="0"/>
-              <a:t>-&gt; need to adjust the weights</a:t>
-            </a:r>
-          </a:p>
-          <a:p>
-            <a:endParaRPr lang="en-US" altLang="ko-KR" b="1" dirty="0" smtClean="0"/>
-          </a:p>
-          <a:p>
-            <a:endParaRPr lang="en-US" altLang="ko-KR" dirty="0" smtClean="0"/>
-          </a:p>
-        </p:txBody>
-      </p:sp>
-      <p:pic>
-        <p:nvPicPr>
-          <p:cNvPr id="1026" name="Picture 2" descr="\displaystyle E = \frac{1}{2}\sum_{j}(y_j - d_j)^2"/>
-          <p:cNvPicPr>
-            <a:picLocks noChangeAspect="1" noChangeArrowheads="1"/>
-          </p:cNvPicPr>
-          <p:nvPr/>
-        </p:nvPicPr>
-        <p:blipFill>
-          <a:blip r:embed="rId2" cstate="print"/>
-          <a:srcRect/>
-          <a:stretch>
-            <a:fillRect/>
-          </a:stretch>
-        </p:blipFill>
-        <p:spPr bwMode="auto">
-          <a:xfrm>
-            <a:off x="827584" y="3573015"/>
-            <a:ext cx="2612124" cy="839613"/>
-          </a:xfrm>
-          <a:prstGeom prst="rect">
-            <a:avLst/>
-          </a:prstGeom>
-          <a:noFill/>
-        </p:spPr>
-      </p:pic>
+      <mc:AlternateContent xmlns:mc="http://schemas.openxmlformats.org/markup-compatibility/2006">
+        <mc:Choice xmlns:a14="http://schemas.microsoft.com/office/drawing/2010/main" Requires="a14">
+          <p:sp>
+            <p:nvSpPr>
+              <p:cNvPr id="17" name="TextBox 16"/>
+              <p:cNvSpPr txBox="1"/>
+              <p:nvPr/>
+            </p:nvSpPr>
+            <p:spPr>
+              <a:xfrm>
+                <a:off x="683568" y="1796623"/>
+                <a:ext cx="7251206" cy="3965701"/>
+              </a:xfrm>
+              <a:prstGeom prst="rect">
+                <a:avLst/>
+              </a:prstGeom>
+              <a:noFill/>
+            </p:spPr>
+            <p:txBody>
+              <a:bodyPr wrap="square" rtlCol="0">
+                <a:spAutoFit/>
+              </a:bodyPr>
+              <a:lstStyle/>
+              <a:p>
+                <a:r>
+                  <a:rPr lang="en-US" altLang="ko-KR" dirty="0" smtClean="0"/>
+                  <a:t>The aim is to find a set of weights that ensure that </a:t>
+                </a:r>
+              </a:p>
+              <a:p>
+                <a:r>
+                  <a:rPr lang="en-US" altLang="ko-KR" dirty="0" smtClean="0"/>
+                  <a:t>the output vector is the same as the desired output vector</a:t>
+                </a:r>
+              </a:p>
+              <a:p>
+                <a:endParaRPr lang="en-US" altLang="ko-KR" dirty="0" smtClean="0"/>
+              </a:p>
+              <a:p>
+                <a:r>
+                  <a:rPr lang="en-US" altLang="ko-KR" dirty="0" smtClean="0"/>
+                  <a:t>-&gt; computed output value of j in output layer  </a:t>
+                </a:r>
+                <a14:m>
+                  <m:oMath xmlns:m="http://schemas.openxmlformats.org/officeDocument/2006/math">
+                    <m:sSub>
+                      <m:sSubPr>
+                        <m:ctrlPr>
+                          <a:rPr lang="en-US" altLang="ko-KR" i="1" smtClean="0">
+                            <a:latin typeface="Cambria Math" panose="02040503050406030204" pitchFamily="18" charset="0"/>
+                          </a:rPr>
+                        </m:ctrlPr>
+                      </m:sSubPr>
+                      <m:e>
+                        <m:r>
+                          <a:rPr lang="en-US" altLang="ko-KR" b="0" i="1" smtClean="0">
+                            <a:latin typeface="Cambria Math" panose="02040503050406030204" pitchFamily="18" charset="0"/>
+                          </a:rPr>
+                          <m:t>𝑦</m:t>
+                        </m:r>
+                      </m:e>
+                      <m:sub>
+                        <m:r>
+                          <a:rPr lang="en-US" altLang="ko-KR" b="0" i="1" smtClean="0">
+                            <a:latin typeface="Cambria Math" panose="02040503050406030204" pitchFamily="18" charset="0"/>
+                          </a:rPr>
+                          <m:t>𝑗</m:t>
+                        </m:r>
+                      </m:sub>
+                    </m:sSub>
+                  </m:oMath>
+                </a14:m>
+                <a:endParaRPr lang="en-US" altLang="ko-KR" dirty="0" smtClean="0"/>
+              </a:p>
+              <a:p>
+                <a:r>
+                  <a:rPr lang="en-US" altLang="ko-KR" dirty="0" smtClean="0"/>
+                  <a:t>-&gt; its desired state  </a:t>
+                </a:r>
+                <a14:m>
+                  <m:oMath xmlns:m="http://schemas.openxmlformats.org/officeDocument/2006/math">
+                    <m:sSub>
+                      <m:sSubPr>
+                        <m:ctrlPr>
+                          <a:rPr lang="en-US" altLang="ko-KR" i="1" smtClean="0">
+                            <a:latin typeface="Cambria Math" panose="02040503050406030204" pitchFamily="18" charset="0"/>
+                          </a:rPr>
+                        </m:ctrlPr>
+                      </m:sSubPr>
+                      <m:e>
+                        <m:r>
+                          <a:rPr lang="en-US" altLang="ko-KR" b="0" i="1" smtClean="0">
+                            <a:latin typeface="Cambria Math" panose="02040503050406030204" pitchFamily="18" charset="0"/>
+                          </a:rPr>
+                          <m:t>𝑑</m:t>
+                        </m:r>
+                      </m:e>
+                      <m:sub>
+                        <m:r>
+                          <a:rPr lang="en-US" altLang="ko-KR" b="0" i="1" smtClean="0">
+                            <a:latin typeface="Cambria Math" panose="02040503050406030204" pitchFamily="18" charset="0"/>
+                          </a:rPr>
+                          <m:t>𝑗</m:t>
+                        </m:r>
+                      </m:sub>
+                    </m:sSub>
+                  </m:oMath>
+                </a14:m>
+                <a:endParaRPr lang="en-US" altLang="ko-KR" dirty="0" smtClean="0"/>
+              </a:p>
+              <a:p>
+                <a:endParaRPr lang="en-US" altLang="ko-KR" dirty="0" smtClean="0"/>
+              </a:p>
+              <a:p>
+                <a14:m>
+                  <m:oMathPara xmlns:m="http://schemas.openxmlformats.org/officeDocument/2006/math">
+                    <m:oMathParaPr>
+                      <m:jc m:val="centerGroup"/>
+                    </m:oMathParaPr>
+                    <m:oMath xmlns:m="http://schemas.openxmlformats.org/officeDocument/2006/math">
+                      <m:r>
+                        <a:rPr lang="en-US" altLang="ko-KR" sz="2000" b="0" i="1" smtClean="0">
+                          <a:latin typeface="Cambria Math" panose="02040503050406030204" pitchFamily="18" charset="0"/>
+                        </a:rPr>
+                        <m:t>𝐸</m:t>
+                      </m:r>
+                      <m:r>
+                        <a:rPr lang="en-US" altLang="ko-KR" sz="2000" b="0" i="1" smtClean="0">
+                          <a:latin typeface="Cambria Math" panose="02040503050406030204" pitchFamily="18" charset="0"/>
+                        </a:rPr>
+                        <m:t>= </m:t>
+                      </m:r>
+                      <m:f>
+                        <m:fPr>
+                          <m:ctrlPr>
+                            <a:rPr lang="en-US" altLang="ko-KR" sz="2000" b="0" i="1" smtClean="0">
+                              <a:latin typeface="Cambria Math" panose="02040503050406030204" pitchFamily="18" charset="0"/>
+                            </a:rPr>
+                          </m:ctrlPr>
+                        </m:fPr>
+                        <m:num>
+                          <m:r>
+                            <a:rPr lang="en-US" altLang="ko-KR" sz="2000" b="0" i="1" smtClean="0">
+                              <a:latin typeface="Cambria Math" panose="02040503050406030204" pitchFamily="18" charset="0"/>
+                            </a:rPr>
+                            <m:t>1</m:t>
+                          </m:r>
+                        </m:num>
+                        <m:den>
+                          <m:r>
+                            <a:rPr lang="en-US" altLang="ko-KR" sz="2000" b="0" i="1" smtClean="0">
+                              <a:latin typeface="Cambria Math" panose="02040503050406030204" pitchFamily="18" charset="0"/>
+                            </a:rPr>
+                            <m:t>2</m:t>
+                          </m:r>
+                        </m:den>
+                      </m:f>
+                      <m:nary>
+                        <m:naryPr>
+                          <m:chr m:val="∑"/>
+                          <m:supHide m:val="on"/>
+                          <m:ctrlPr>
+                            <a:rPr lang="en-US" altLang="ko-KR" sz="2000" b="0" i="1" smtClean="0">
+                              <a:latin typeface="Cambria Math" panose="02040503050406030204" pitchFamily="18" charset="0"/>
+                            </a:rPr>
+                          </m:ctrlPr>
+                        </m:naryPr>
+                        <m:sub>
+                          <m:r>
+                            <m:rPr>
+                              <m:brk m:alnAt="7"/>
+                            </m:rPr>
+                            <a:rPr lang="en-US" altLang="ko-KR" sz="2000" b="0" i="1" smtClean="0">
+                              <a:latin typeface="Cambria Math" panose="02040503050406030204" pitchFamily="18" charset="0"/>
+                            </a:rPr>
+                            <m:t>𝑗</m:t>
+                          </m:r>
+                        </m:sub>
+                        <m:sup/>
+                        <m:e>
+                          <m:r>
+                            <a:rPr lang="en-US" altLang="ko-KR" sz="2000" b="0" i="1" smtClean="0">
+                              <a:latin typeface="Cambria Math" panose="02040503050406030204" pitchFamily="18" charset="0"/>
+                            </a:rPr>
+                            <m:t>(</m:t>
+                          </m:r>
+                        </m:e>
+                      </m:nary>
+                      <m:sSup>
+                        <m:sSupPr>
+                          <m:ctrlPr>
+                            <a:rPr lang="en-US" altLang="ko-KR" sz="2000" b="0" i="1" smtClean="0">
+                              <a:latin typeface="Cambria Math" panose="02040503050406030204" pitchFamily="18" charset="0"/>
+                            </a:rPr>
+                          </m:ctrlPr>
+                        </m:sSupPr>
+                        <m:e>
+                          <m:sSub>
+                            <m:sSubPr>
+                              <m:ctrlPr>
+                                <a:rPr lang="en-US" altLang="ko-KR" sz="2000" i="1">
+                                  <a:latin typeface="Cambria Math" panose="02040503050406030204" pitchFamily="18" charset="0"/>
+                                </a:rPr>
+                              </m:ctrlPr>
+                            </m:sSubPr>
+                            <m:e>
+                              <m:r>
+                                <a:rPr lang="en-US" altLang="ko-KR" sz="2000" i="1">
+                                  <a:latin typeface="Cambria Math" panose="02040503050406030204" pitchFamily="18" charset="0"/>
+                                </a:rPr>
+                                <m:t>𝑦</m:t>
+                              </m:r>
+                            </m:e>
+                            <m:sub>
+                              <m:r>
+                                <a:rPr lang="en-US" altLang="ko-KR" sz="2000" i="1">
+                                  <a:latin typeface="Cambria Math" panose="02040503050406030204" pitchFamily="18" charset="0"/>
+                                </a:rPr>
+                                <m:t>𝑗</m:t>
+                              </m:r>
+                            </m:sub>
+                          </m:sSub>
+                          <m:r>
+                            <a:rPr lang="en-US" altLang="ko-KR" sz="2000" i="1">
+                              <a:latin typeface="Cambria Math" panose="02040503050406030204" pitchFamily="18" charset="0"/>
+                            </a:rPr>
+                            <m:t>−</m:t>
+                          </m:r>
+                          <m:sSub>
+                            <m:sSubPr>
+                              <m:ctrlPr>
+                                <a:rPr lang="en-US" altLang="ko-KR" sz="2000" i="1">
+                                  <a:latin typeface="Cambria Math" panose="02040503050406030204" pitchFamily="18" charset="0"/>
+                                </a:rPr>
+                              </m:ctrlPr>
+                            </m:sSubPr>
+                            <m:e>
+                              <m:r>
+                                <a:rPr lang="en-US" altLang="ko-KR" sz="2000" i="1">
+                                  <a:latin typeface="Cambria Math" panose="02040503050406030204" pitchFamily="18" charset="0"/>
+                                </a:rPr>
+                                <m:t>𝑑</m:t>
+                              </m:r>
+                            </m:e>
+                            <m:sub>
+                              <m:r>
+                                <a:rPr lang="en-US" altLang="ko-KR" sz="2000" i="1">
+                                  <a:latin typeface="Cambria Math" panose="02040503050406030204" pitchFamily="18" charset="0"/>
+                                </a:rPr>
+                                <m:t>𝑗</m:t>
+                              </m:r>
+                            </m:sub>
+                          </m:sSub>
+                          <m:r>
+                            <a:rPr lang="en-US" altLang="ko-KR" sz="2000" i="1">
+                              <a:latin typeface="Cambria Math" panose="02040503050406030204" pitchFamily="18" charset="0"/>
+                            </a:rPr>
+                            <m:t>)</m:t>
+                          </m:r>
+                        </m:e>
+                        <m:sup>
+                          <m:r>
+                            <a:rPr lang="en-US" altLang="ko-KR" sz="2000" b="0" i="1" smtClean="0">
+                              <a:latin typeface="Cambria Math" panose="02040503050406030204" pitchFamily="18" charset="0"/>
+                            </a:rPr>
+                            <m:t>2</m:t>
+                          </m:r>
+                        </m:sup>
+                      </m:sSup>
+                    </m:oMath>
+                  </m:oMathPara>
+                </a14:m>
+                <a:endParaRPr lang="en-US" altLang="ko-KR" dirty="0" smtClean="0"/>
+              </a:p>
+              <a:p>
+                <a:endParaRPr lang="en-US" altLang="ko-KR" dirty="0" smtClean="0"/>
+              </a:p>
+              <a:p>
+                <a:r>
+                  <a:rPr lang="en-US" altLang="ko-KR" dirty="0" smtClean="0"/>
+                  <a:t>-&gt; minimize</a:t>
+                </a:r>
+              </a:p>
+              <a:p>
+                <a:r>
+                  <a:rPr lang="en-US" altLang="ko-KR" dirty="0" smtClean="0"/>
+                  <a:t>-&gt; need to adjust the weights</a:t>
+                </a:r>
+              </a:p>
+              <a:p>
+                <a:endParaRPr lang="en-US" altLang="ko-KR" b="1" dirty="0" smtClean="0"/>
+              </a:p>
+              <a:p>
+                <a:endParaRPr lang="en-US" altLang="ko-KR" dirty="0" smtClean="0"/>
+              </a:p>
+            </p:txBody>
+          </p:sp>
+        </mc:Choice>
+        <mc:Fallback>
+          <p:sp>
+            <p:nvSpPr>
+              <p:cNvPr id="17" name="TextBox 16"/>
+              <p:cNvSpPr txBox="1">
+                <a:spLocks noRot="1" noChangeAspect="1" noMove="1" noResize="1" noEditPoints="1" noAdjustHandles="1" noChangeArrowheads="1" noChangeShapeType="1" noTextEdit="1"/>
+              </p:cNvSpPr>
+              <p:nvPr/>
+            </p:nvSpPr>
+            <p:spPr>
+              <a:xfrm>
+                <a:off x="683568" y="1796623"/>
+                <a:ext cx="7251206" cy="3965701"/>
+              </a:xfrm>
+              <a:prstGeom prst="rect">
+                <a:avLst/>
+              </a:prstGeom>
+              <a:blipFill>
+                <a:blip r:embed="rId2"/>
+                <a:stretch>
+                  <a:fillRect l="-672" t="-923"/>
+                </a:stretch>
+              </a:blipFill>
+            </p:spPr>
+            <p:txBody>
+              <a:bodyPr/>
+              <a:lstStyle/>
+              <a:p>
+                <a:r>
+                  <a:rPr lang="ko-KR" altLang="en-US">
+                    <a:noFill/>
+                  </a:rPr>
+                  <a:t> </a:t>
+                </a:r>
+              </a:p>
+            </p:txBody>
+          </p:sp>
+        </mc:Fallback>
+      </mc:AlternateContent>
     </p:spTree>
   </p:cSld>
   <p:clrMapOvr>
@@ -7409,7 +7906,7 @@
         <p:grpSpPr>
           <a:xfrm>
             <a:off x="467544" y="1340768"/>
-            <a:ext cx="8280920" cy="4680520"/>
+            <a:ext cx="8280920" cy="4155957"/>
             <a:chOff x="755576" y="3573016"/>
             <a:chExt cx="7632848" cy="2736304"/>
           </a:xfrm>
@@ -7509,233 +8006,850 @@
           </p:txBody>
         </p:sp>
       </p:grpSp>
-      <p:sp>
-        <p:nvSpPr>
-          <p:cNvPr id="17" name="TextBox 16"/>
-          <p:cNvSpPr txBox="1"/>
-          <p:nvPr/>
-        </p:nvSpPr>
-        <p:spPr>
-          <a:xfrm>
-            <a:off x="755576" y="1628800"/>
-            <a:ext cx="7251206" cy="5909310"/>
-          </a:xfrm>
-          <a:prstGeom prst="rect">
-            <a:avLst/>
-          </a:prstGeom>
-          <a:noFill/>
-        </p:spPr>
-        <p:txBody>
-          <a:bodyPr wrap="square" rtlCol="0">
-            <a:spAutoFit/>
-          </a:bodyPr>
-          <a:lstStyle/>
-          <a:p>
-            <a:r>
-              <a:rPr lang="en-US" altLang="ko-KR" dirty="0" smtClean="0"/>
-              <a:t>To minimize E by gradient descent it is necessary to compute the </a:t>
-            </a:r>
-            <a:r>
-              <a:rPr lang="en-US" altLang="ko-KR" b="1" dirty="0" smtClean="0"/>
-              <a:t>partial derivative </a:t>
-            </a:r>
-            <a:r>
-              <a:rPr lang="en-US" altLang="ko-KR" dirty="0" smtClean="0"/>
-              <a:t>of E with respect to each weight in the </a:t>
-            </a:r>
-            <a:r>
-              <a:rPr lang="en-US" altLang="ko-KR" dirty="0" smtClean="0"/>
-              <a:t>network</a:t>
-            </a:r>
-          </a:p>
-          <a:p>
-            <a:endParaRPr lang="en-US" altLang="ko-KR" dirty="0" smtClean="0"/>
-          </a:p>
-          <a:p>
-            <a:r>
-              <a:rPr lang="en-US" altLang="ko-KR" dirty="0" smtClean="0"/>
-              <a:t>-&gt; </a:t>
-            </a:r>
-            <a:r>
-              <a:rPr lang="en-US" altLang="ko-KR" dirty="0" err="1" smtClean="0"/>
-              <a:t>dE</a:t>
-            </a:r>
-            <a:r>
-              <a:rPr lang="en-US" altLang="ko-KR" dirty="0" smtClean="0"/>
-              <a:t>/</a:t>
-            </a:r>
-            <a:r>
-              <a:rPr lang="en-US" altLang="ko-KR" dirty="0" err="1" smtClean="0"/>
-              <a:t>dw</a:t>
-            </a:r>
-            <a:endParaRPr lang="en-US" altLang="ko-KR" dirty="0" smtClean="0"/>
-          </a:p>
-          <a:p>
-            <a:r>
-              <a:rPr lang="en-US" altLang="ko-KR" dirty="0" smtClean="0"/>
-              <a:t>-&gt; </a:t>
-            </a:r>
-            <a:r>
-              <a:rPr lang="en-US" altLang="ko-KR" dirty="0" err="1" smtClean="0"/>
-              <a:t>dE</a:t>
-            </a:r>
-            <a:r>
-              <a:rPr lang="en-US" altLang="ko-KR" dirty="0" smtClean="0"/>
-              <a:t>/</a:t>
-            </a:r>
-            <a:r>
-              <a:rPr lang="en-US" altLang="ko-KR" dirty="0" err="1" smtClean="0"/>
-              <a:t>dyj</a:t>
-            </a:r>
-            <a:r>
-              <a:rPr lang="en-US" altLang="ko-KR" dirty="0" smtClean="0"/>
-              <a:t>  (E and y are directly related)</a:t>
-            </a:r>
-          </a:p>
-          <a:p>
-            <a:endParaRPr lang="en-US" altLang="ko-KR" dirty="0" smtClean="0"/>
-          </a:p>
-          <a:p>
-            <a:endParaRPr lang="en-US" altLang="ko-KR" dirty="0" smtClean="0"/>
-          </a:p>
-          <a:p>
-            <a:endParaRPr lang="en-US" altLang="ko-KR" dirty="0" smtClean="0"/>
-          </a:p>
-          <a:p>
-            <a:endParaRPr lang="en-US" altLang="ko-KR" dirty="0" smtClean="0"/>
-          </a:p>
-          <a:p>
-            <a:endParaRPr lang="en-US" altLang="ko-KR" dirty="0" smtClean="0"/>
-          </a:p>
-          <a:p>
-            <a:r>
-              <a:rPr lang="en-US" altLang="ko-KR" dirty="0" smtClean="0"/>
-              <a:t>-&gt; </a:t>
-            </a:r>
-            <a:r>
-              <a:rPr lang="en-US" altLang="ko-KR" dirty="0" err="1" smtClean="0"/>
-              <a:t>dyj</a:t>
-            </a:r>
-            <a:r>
-              <a:rPr lang="en-US" altLang="ko-KR" dirty="0" smtClean="0"/>
-              <a:t>/</a:t>
-            </a:r>
-            <a:r>
-              <a:rPr lang="en-US" altLang="ko-KR" dirty="0" err="1" smtClean="0"/>
-              <a:t>dxj</a:t>
-            </a:r>
-            <a:endParaRPr lang="en-US" altLang="ko-KR" dirty="0" smtClean="0"/>
-          </a:p>
-          <a:p>
-            <a:endParaRPr lang="en-US" altLang="ko-KR" dirty="0" smtClean="0"/>
-          </a:p>
-          <a:p>
-            <a:endParaRPr lang="en-US" altLang="ko-KR" dirty="0" smtClean="0"/>
-          </a:p>
-          <a:p>
-            <a:endParaRPr lang="en-US" altLang="ko-KR" dirty="0" smtClean="0"/>
-          </a:p>
-          <a:p>
-            <a:endParaRPr lang="en-US" altLang="ko-KR" dirty="0" smtClean="0"/>
-          </a:p>
-          <a:p>
-            <a:endParaRPr lang="en-US" altLang="ko-KR" dirty="0" smtClean="0"/>
-          </a:p>
-          <a:p>
-            <a:endParaRPr lang="en-US" altLang="ko-KR" dirty="0" smtClean="0"/>
-          </a:p>
-          <a:p>
-            <a:endParaRPr lang="en-US" altLang="ko-KR" dirty="0" smtClean="0"/>
-          </a:p>
-          <a:p>
-            <a:endParaRPr lang="en-US" altLang="ko-KR" dirty="0" smtClean="0"/>
-          </a:p>
-          <a:p>
-            <a:endParaRPr lang="en-US" altLang="ko-KR" b="1" dirty="0" smtClean="0"/>
-          </a:p>
-          <a:p>
-            <a:endParaRPr lang="en-US" altLang="ko-KR" dirty="0" smtClean="0"/>
-          </a:p>
-        </p:txBody>
-      </p:sp>
-      <p:pic>
-        <p:nvPicPr>
-          <p:cNvPr id="24580" name="Picture 4" descr="\displaystyle \frac{\partial E}{\partial y_j} \frac{1}{2}\sum_{j}(y_j - d_j)^2 = y_j - d_j  "/>
-          <p:cNvPicPr>
-            <a:picLocks noChangeAspect="1" noChangeArrowheads="1"/>
-          </p:cNvPicPr>
-          <p:nvPr/>
-        </p:nvPicPr>
-        <p:blipFill>
-          <a:blip r:embed="rId2" cstate="print"/>
-          <a:srcRect/>
-          <a:stretch>
-            <a:fillRect/>
-          </a:stretch>
-        </p:blipFill>
-        <p:spPr bwMode="auto">
-          <a:xfrm>
-            <a:off x="1043608" y="3429000"/>
-            <a:ext cx="3200348" cy="720080"/>
-          </a:xfrm>
-          <a:prstGeom prst="rect">
-            <a:avLst/>
-          </a:prstGeom>
-          <a:noFill/>
-        </p:spPr>
-      </p:pic>
-      <p:pic>
-        <p:nvPicPr>
-          <p:cNvPr id="24582" name="Picture 6" descr="y_j = \sigma(x_j)"/>
-          <p:cNvPicPr>
-            <a:picLocks noChangeAspect="1" noChangeArrowheads="1"/>
-          </p:cNvPicPr>
-          <p:nvPr/>
-        </p:nvPicPr>
-        <p:blipFill>
-          <a:blip r:embed="rId3" cstate="print"/>
-          <a:srcRect/>
-          <a:stretch>
-            <a:fillRect/>
-          </a:stretch>
-        </p:blipFill>
-        <p:spPr bwMode="auto">
-          <a:xfrm>
-            <a:off x="5004048" y="3501008"/>
-            <a:ext cx="1656184" cy="437049"/>
-          </a:xfrm>
-          <a:prstGeom prst="rect">
-            <a:avLst/>
-          </a:prstGeom>
-          <a:noFill/>
-        </p:spPr>
-      </p:pic>
-      <p:pic>
-        <p:nvPicPr>
-          <p:cNvPr id="24584" name="Picture 8" descr="\displaystyle \frac{\partial y_j}{\partial x_j} = \sigma(x_j)\cdot (1 - \sigma(x_j))"/>
-          <p:cNvPicPr>
-            <a:picLocks noChangeAspect="1" noChangeArrowheads="1"/>
-          </p:cNvPicPr>
-          <p:nvPr/>
-        </p:nvPicPr>
-        <p:blipFill>
-          <a:blip r:embed="rId4" cstate="print"/>
-          <a:srcRect/>
-          <a:stretch>
-            <a:fillRect/>
-          </a:stretch>
-        </p:blipFill>
-        <p:spPr bwMode="auto">
-          <a:xfrm>
-            <a:off x="1187624" y="4869160"/>
-            <a:ext cx="3231128" cy="720080"/>
-          </a:xfrm>
-          <a:prstGeom prst="rect">
-            <a:avLst/>
-          </a:prstGeom>
-          <a:noFill/>
-        </p:spPr>
-      </p:pic>
+      <mc:AlternateContent xmlns:mc="http://schemas.openxmlformats.org/markup-compatibility/2006">
+        <mc:Choice xmlns:a14="http://schemas.microsoft.com/office/drawing/2010/main" Requires="a14">
+          <p:sp>
+            <p:nvSpPr>
+              <p:cNvPr id="17" name="TextBox 16"/>
+              <p:cNvSpPr txBox="1"/>
+              <p:nvPr/>
+            </p:nvSpPr>
+            <p:spPr>
+              <a:xfrm>
+                <a:off x="755575" y="1594438"/>
+                <a:ext cx="7776864" cy="3902287"/>
+              </a:xfrm>
+              <a:prstGeom prst="rect">
+                <a:avLst/>
+              </a:prstGeom>
+              <a:noFill/>
+            </p:spPr>
+            <p:txBody>
+              <a:bodyPr wrap="square" rtlCol="0">
+                <a:spAutoFit/>
+              </a:bodyPr>
+              <a:lstStyle/>
+              <a:p>
+                <a:r>
+                  <a:rPr lang="en-US" altLang="ko-KR" dirty="0" smtClean="0"/>
+                  <a:t>To minimize E by gradient descent it is necessary to compute the </a:t>
+                </a:r>
+                <a:r>
+                  <a:rPr lang="en-US" altLang="ko-KR" b="1" dirty="0" smtClean="0"/>
+                  <a:t>partial derivative </a:t>
+                </a:r>
+                <a:r>
+                  <a:rPr lang="en-US" altLang="ko-KR" dirty="0" smtClean="0"/>
+                  <a:t>of E with respect to each weight in the network</a:t>
+                </a:r>
+              </a:p>
+              <a:p>
+                <a:endParaRPr lang="en-US" altLang="ko-KR" dirty="0" smtClean="0"/>
+              </a:p>
+              <a:p>
+                <a:r>
+                  <a:rPr lang="en-US" altLang="ko-KR" dirty="0" smtClean="0"/>
+                  <a:t>-&gt; </a:t>
+                </a:r>
+                <a14:m>
+                  <m:oMath xmlns:m="http://schemas.openxmlformats.org/officeDocument/2006/math">
+                    <m:f>
+                      <m:fPr>
+                        <m:ctrlPr>
+                          <a:rPr lang="en-US" altLang="ko-KR" sz="2400" i="1" smtClean="0">
+                            <a:latin typeface="Cambria Math" panose="02040503050406030204" pitchFamily="18" charset="0"/>
+                          </a:rPr>
+                        </m:ctrlPr>
+                      </m:fPr>
+                      <m:num>
+                        <m:r>
+                          <a:rPr lang="en-US" altLang="ko-KR" sz="2400" i="1" smtClean="0">
+                            <a:latin typeface="Cambria Math" panose="02040503050406030204" pitchFamily="18" charset="0"/>
+                          </a:rPr>
+                          <m:t>𝜕</m:t>
+                        </m:r>
+                        <m:r>
+                          <a:rPr lang="en-US" altLang="ko-KR" sz="2400" b="0" i="1" smtClean="0">
+                            <a:latin typeface="Cambria Math" panose="02040503050406030204" pitchFamily="18" charset="0"/>
+                          </a:rPr>
+                          <m:t>𝐸</m:t>
+                        </m:r>
+                      </m:num>
+                      <m:den>
+                        <m:r>
+                          <a:rPr lang="en-US" altLang="ko-KR" sz="2400" i="1" smtClean="0">
+                            <a:latin typeface="Cambria Math" panose="02040503050406030204" pitchFamily="18" charset="0"/>
+                          </a:rPr>
+                          <m:t>𝜕</m:t>
+                        </m:r>
+                        <m:r>
+                          <a:rPr lang="en-US" altLang="ko-KR" sz="2400" b="0" i="1" smtClean="0">
+                            <a:latin typeface="Cambria Math" panose="02040503050406030204" pitchFamily="18" charset="0"/>
+                          </a:rPr>
+                          <m:t>𝑤</m:t>
+                        </m:r>
+                      </m:den>
+                    </m:f>
+                    <m:r>
+                      <a:rPr lang="en-US" altLang="ko-KR" sz="2400" b="0" i="0" smtClean="0">
+                        <a:latin typeface="Cambria Math" panose="02040503050406030204" pitchFamily="18" charset="0"/>
+                      </a:rPr>
+                      <m:t>             </m:t>
+                    </m:r>
+                  </m:oMath>
+                </a14:m>
+                <a:r>
+                  <a:rPr lang="en-US" altLang="ko-KR" dirty="0" smtClean="0"/>
+                  <a:t>-&gt; </a:t>
+                </a:r>
+                <a14:m>
+                  <m:oMath xmlns:m="http://schemas.openxmlformats.org/officeDocument/2006/math">
+                    <m:f>
+                      <m:fPr>
+                        <m:ctrlPr>
+                          <a:rPr lang="en-US" altLang="ko-KR" sz="2400" i="1" smtClean="0">
+                            <a:latin typeface="Cambria Math" panose="02040503050406030204" pitchFamily="18" charset="0"/>
+                          </a:rPr>
+                        </m:ctrlPr>
+                      </m:fPr>
+                      <m:num>
+                        <m:r>
+                          <a:rPr lang="en-US" altLang="ko-KR" sz="2400" i="1">
+                            <a:latin typeface="Cambria Math" panose="02040503050406030204" pitchFamily="18" charset="0"/>
+                          </a:rPr>
+                          <m:t>𝜕</m:t>
+                        </m:r>
+                        <m:r>
+                          <a:rPr lang="en-US" altLang="ko-KR" sz="2400" i="1">
+                            <a:latin typeface="Cambria Math" panose="02040503050406030204" pitchFamily="18" charset="0"/>
+                          </a:rPr>
+                          <m:t>𝐸</m:t>
+                        </m:r>
+                      </m:num>
+                      <m:den>
+                        <m:r>
+                          <a:rPr lang="en-US" altLang="ko-KR" sz="2400" i="1">
+                            <a:latin typeface="Cambria Math" panose="02040503050406030204" pitchFamily="18" charset="0"/>
+                          </a:rPr>
+                          <m:t>𝜕</m:t>
+                        </m:r>
+                        <m:sSub>
+                          <m:sSubPr>
+                            <m:ctrlPr>
+                              <a:rPr lang="en-US" altLang="ko-KR" sz="2400" i="1">
+                                <a:latin typeface="Cambria Math" panose="02040503050406030204" pitchFamily="18" charset="0"/>
+                              </a:rPr>
+                            </m:ctrlPr>
+                          </m:sSubPr>
+                          <m:e>
+                            <m:r>
+                              <a:rPr lang="en-US" altLang="ko-KR" sz="2400" i="1">
+                                <a:latin typeface="Cambria Math" panose="02040503050406030204" pitchFamily="18" charset="0"/>
+                              </a:rPr>
+                              <m:t>𝑦</m:t>
+                            </m:r>
+                          </m:e>
+                          <m:sub>
+                            <m:r>
+                              <a:rPr lang="en-US" altLang="ko-KR" sz="2400" i="1">
+                                <a:latin typeface="Cambria Math" panose="02040503050406030204" pitchFamily="18" charset="0"/>
+                              </a:rPr>
+                              <m:t>𝑗</m:t>
+                            </m:r>
+                          </m:sub>
+                        </m:sSub>
+                      </m:den>
+                    </m:f>
+                    <m:r>
+                      <a:rPr lang="en-US" altLang="ko-KR" sz="2400" i="1">
+                        <a:latin typeface="Cambria Math" panose="02040503050406030204" pitchFamily="18" charset="0"/>
+                      </a:rPr>
+                      <m:t> </m:t>
+                    </m:r>
+                  </m:oMath>
+                </a14:m>
+                <a:r>
+                  <a:rPr lang="en-US" altLang="ko-KR" dirty="0" smtClean="0"/>
+                  <a:t> (</a:t>
+                </a:r>
+                <a:r>
+                  <a:rPr lang="en-US" altLang="ko-KR" dirty="0" smtClean="0"/>
+                  <a:t>E and y are directly related</a:t>
+                </a:r>
+                <a:r>
+                  <a:rPr lang="en-US" altLang="ko-KR" dirty="0"/>
+                  <a:t>) </a:t>
+                </a:r>
+                <a:r>
+                  <a:rPr lang="en-US" altLang="ko-KR" dirty="0" smtClean="0"/>
+                  <a:t>   </a:t>
+                </a:r>
+                <a:r>
+                  <a:rPr lang="en-US" altLang="ko-KR" sz="2400" dirty="0" smtClean="0"/>
+                  <a:t>-&gt; </a:t>
+                </a:r>
+                <a14:m>
+                  <m:oMath xmlns:m="http://schemas.openxmlformats.org/officeDocument/2006/math">
+                    <m:f>
+                      <m:fPr>
+                        <m:ctrlPr>
+                          <a:rPr lang="en-US" altLang="ko-KR" sz="2400" i="1" smtClean="0">
+                            <a:latin typeface="Cambria Math" panose="02040503050406030204" pitchFamily="18" charset="0"/>
+                          </a:rPr>
+                        </m:ctrlPr>
+                      </m:fPr>
+                      <m:num>
+                        <m:r>
+                          <a:rPr lang="en-US" altLang="ko-KR" sz="2400" i="1">
+                            <a:latin typeface="Cambria Math" panose="02040503050406030204" pitchFamily="18" charset="0"/>
+                          </a:rPr>
+                          <m:t>𝜕</m:t>
+                        </m:r>
+                        <m:sSub>
+                          <m:sSubPr>
+                            <m:ctrlPr>
+                              <a:rPr lang="en-US" altLang="ko-KR" sz="2400" i="1">
+                                <a:latin typeface="Cambria Math" panose="02040503050406030204" pitchFamily="18" charset="0"/>
+                              </a:rPr>
+                            </m:ctrlPr>
+                          </m:sSubPr>
+                          <m:e>
+                            <m:r>
+                              <a:rPr lang="en-US" altLang="ko-KR" sz="2400" i="1">
+                                <a:latin typeface="Cambria Math" panose="02040503050406030204" pitchFamily="18" charset="0"/>
+                              </a:rPr>
+                              <m:t>𝑦</m:t>
+                            </m:r>
+                          </m:e>
+                          <m:sub>
+                            <m:r>
+                              <a:rPr lang="en-US" altLang="ko-KR" sz="2400" i="1">
+                                <a:latin typeface="Cambria Math" panose="02040503050406030204" pitchFamily="18" charset="0"/>
+                              </a:rPr>
+                              <m:t>𝑗</m:t>
+                            </m:r>
+                          </m:sub>
+                        </m:sSub>
+                      </m:num>
+                      <m:den>
+                        <m:r>
+                          <a:rPr lang="en-US" altLang="ko-KR" sz="2400" i="1">
+                            <a:latin typeface="Cambria Math" panose="02040503050406030204" pitchFamily="18" charset="0"/>
+                          </a:rPr>
+                          <m:t>𝜕</m:t>
+                        </m:r>
+                        <m:sSub>
+                          <m:sSubPr>
+                            <m:ctrlPr>
+                              <a:rPr lang="en-US" altLang="ko-KR" sz="2400" i="1">
+                                <a:latin typeface="Cambria Math" panose="02040503050406030204" pitchFamily="18" charset="0"/>
+                              </a:rPr>
+                            </m:ctrlPr>
+                          </m:sSubPr>
+                          <m:e>
+                            <m:r>
+                              <a:rPr lang="en-US" altLang="ko-KR" sz="2400" i="1">
+                                <a:latin typeface="Cambria Math" panose="02040503050406030204" pitchFamily="18" charset="0"/>
+                              </a:rPr>
+                              <m:t>𝑥</m:t>
+                            </m:r>
+                          </m:e>
+                          <m:sub>
+                            <m:r>
+                              <a:rPr lang="en-US" altLang="ko-KR" sz="2400" i="1">
+                                <a:latin typeface="Cambria Math" panose="02040503050406030204" pitchFamily="18" charset="0"/>
+                              </a:rPr>
+                              <m:t>𝑗</m:t>
+                            </m:r>
+                          </m:sub>
+                        </m:sSub>
+                      </m:den>
+                    </m:f>
+                  </m:oMath>
+                </a14:m>
+                <a:endParaRPr lang="en-US" altLang="ko-KR" dirty="0" smtClean="0"/>
+              </a:p>
+              <a:p>
+                <a:endParaRPr lang="en-US" altLang="ko-KR" dirty="0"/>
+              </a:p>
+              <a:p>
+                <a:pPr/>
+                <a14:m>
+                  <m:oMath xmlns:m="http://schemas.openxmlformats.org/officeDocument/2006/math">
+                    <m:f>
+                      <m:fPr>
+                        <m:ctrlPr>
+                          <a:rPr lang="en-US" altLang="ko-KR" sz="2800" i="1">
+                            <a:latin typeface="Cambria Math" panose="02040503050406030204" pitchFamily="18" charset="0"/>
+                          </a:rPr>
+                        </m:ctrlPr>
+                      </m:fPr>
+                      <m:num>
+                        <m:r>
+                          <a:rPr lang="en-US" altLang="ko-KR" sz="2800" i="1">
+                            <a:latin typeface="Cambria Math" panose="02040503050406030204" pitchFamily="18" charset="0"/>
+                          </a:rPr>
+                          <m:t>𝜕</m:t>
+                        </m:r>
+                      </m:num>
+                      <m:den>
+                        <m:r>
+                          <a:rPr lang="en-US" altLang="ko-KR" sz="2800" i="1">
+                            <a:latin typeface="Cambria Math" panose="02040503050406030204" pitchFamily="18" charset="0"/>
+                          </a:rPr>
+                          <m:t>𝜕</m:t>
+                        </m:r>
+                        <m:sSub>
+                          <m:sSubPr>
+                            <m:ctrlPr>
+                              <a:rPr lang="en-US" altLang="ko-KR" sz="2800" i="1">
+                                <a:latin typeface="Cambria Math" panose="02040503050406030204" pitchFamily="18" charset="0"/>
+                              </a:rPr>
+                            </m:ctrlPr>
+                          </m:sSubPr>
+                          <m:e>
+                            <m:r>
+                              <a:rPr lang="en-US" altLang="ko-KR" sz="2800" i="1">
+                                <a:latin typeface="Cambria Math" panose="02040503050406030204" pitchFamily="18" charset="0"/>
+                              </a:rPr>
+                              <m:t>𝑦</m:t>
+                            </m:r>
+                          </m:e>
+                          <m:sub>
+                            <m:r>
+                              <a:rPr lang="en-US" altLang="ko-KR" sz="2800" i="1">
+                                <a:latin typeface="Cambria Math" panose="02040503050406030204" pitchFamily="18" charset="0"/>
+                              </a:rPr>
+                              <m:t>𝑗</m:t>
+                            </m:r>
+                          </m:sub>
+                        </m:sSub>
+                      </m:den>
+                    </m:f>
+                    <m:f>
+                      <m:fPr>
+                        <m:ctrlPr>
+                          <a:rPr lang="en-US" altLang="ko-KR" sz="2800" i="1">
+                            <a:latin typeface="Cambria Math" panose="02040503050406030204" pitchFamily="18" charset="0"/>
+                          </a:rPr>
+                        </m:ctrlPr>
+                      </m:fPr>
+                      <m:num>
+                        <m:r>
+                          <a:rPr lang="en-US" altLang="ko-KR" sz="2800" i="1">
+                            <a:latin typeface="Cambria Math" panose="02040503050406030204" pitchFamily="18" charset="0"/>
+                          </a:rPr>
+                          <m:t>1</m:t>
+                        </m:r>
+                      </m:num>
+                      <m:den>
+                        <m:r>
+                          <a:rPr lang="en-US" altLang="ko-KR" sz="2800" i="1">
+                            <a:latin typeface="Cambria Math" panose="02040503050406030204" pitchFamily="18" charset="0"/>
+                          </a:rPr>
+                          <m:t>2</m:t>
+                        </m:r>
+                      </m:den>
+                    </m:f>
+                    <m:nary>
+                      <m:naryPr>
+                        <m:chr m:val="∑"/>
+                        <m:supHide m:val="on"/>
+                        <m:ctrlPr>
+                          <a:rPr lang="en-US" altLang="ko-KR" sz="2800" i="1">
+                            <a:latin typeface="Cambria Math" panose="02040503050406030204" pitchFamily="18" charset="0"/>
+                          </a:rPr>
+                        </m:ctrlPr>
+                      </m:naryPr>
+                      <m:sub>
+                        <m:r>
+                          <m:rPr>
+                            <m:brk m:alnAt="7"/>
+                          </m:rPr>
+                          <a:rPr lang="en-US" altLang="ko-KR" sz="2800" i="1">
+                            <a:latin typeface="Cambria Math" panose="02040503050406030204" pitchFamily="18" charset="0"/>
+                          </a:rPr>
+                          <m:t>𝑗</m:t>
+                        </m:r>
+                      </m:sub>
+                      <m:sup/>
+                      <m:e>
+                        <m:r>
+                          <a:rPr lang="en-US" altLang="ko-KR" sz="2800" i="1">
+                            <a:latin typeface="Cambria Math" panose="02040503050406030204" pitchFamily="18" charset="0"/>
+                          </a:rPr>
+                          <m:t>(</m:t>
+                        </m:r>
+                      </m:e>
+                    </m:nary>
+                    <m:sSup>
+                      <m:sSupPr>
+                        <m:ctrlPr>
+                          <a:rPr lang="en-US" altLang="ko-KR" sz="2800" i="1">
+                            <a:latin typeface="Cambria Math" panose="02040503050406030204" pitchFamily="18" charset="0"/>
+                          </a:rPr>
+                        </m:ctrlPr>
+                      </m:sSupPr>
+                      <m:e>
+                        <m:sSub>
+                          <m:sSubPr>
+                            <m:ctrlPr>
+                              <a:rPr lang="en-US" altLang="ko-KR" sz="2800" i="1">
+                                <a:latin typeface="Cambria Math" panose="02040503050406030204" pitchFamily="18" charset="0"/>
+                              </a:rPr>
+                            </m:ctrlPr>
+                          </m:sSubPr>
+                          <m:e>
+                            <m:r>
+                              <a:rPr lang="en-US" altLang="ko-KR" sz="2800" i="1">
+                                <a:latin typeface="Cambria Math" panose="02040503050406030204" pitchFamily="18" charset="0"/>
+                              </a:rPr>
+                              <m:t>𝑦</m:t>
+                            </m:r>
+                          </m:e>
+                          <m:sub>
+                            <m:r>
+                              <a:rPr lang="en-US" altLang="ko-KR" sz="2800" i="1">
+                                <a:latin typeface="Cambria Math" panose="02040503050406030204" pitchFamily="18" charset="0"/>
+                              </a:rPr>
+                              <m:t>𝑗</m:t>
+                            </m:r>
+                          </m:sub>
+                        </m:sSub>
+                        <m:r>
+                          <a:rPr lang="en-US" altLang="ko-KR" sz="2800" i="1">
+                            <a:latin typeface="Cambria Math" panose="02040503050406030204" pitchFamily="18" charset="0"/>
+                          </a:rPr>
+                          <m:t>−</m:t>
+                        </m:r>
+                        <m:sSub>
+                          <m:sSubPr>
+                            <m:ctrlPr>
+                              <a:rPr lang="en-US" altLang="ko-KR" sz="2800" i="1">
+                                <a:latin typeface="Cambria Math" panose="02040503050406030204" pitchFamily="18" charset="0"/>
+                              </a:rPr>
+                            </m:ctrlPr>
+                          </m:sSubPr>
+                          <m:e>
+                            <m:r>
+                              <a:rPr lang="en-US" altLang="ko-KR" sz="2800" i="1">
+                                <a:latin typeface="Cambria Math" panose="02040503050406030204" pitchFamily="18" charset="0"/>
+                              </a:rPr>
+                              <m:t>𝑑</m:t>
+                            </m:r>
+                          </m:e>
+                          <m:sub>
+                            <m:r>
+                              <a:rPr lang="en-US" altLang="ko-KR" sz="2800" i="1">
+                                <a:latin typeface="Cambria Math" panose="02040503050406030204" pitchFamily="18" charset="0"/>
+                              </a:rPr>
+                              <m:t>𝑗</m:t>
+                            </m:r>
+                          </m:sub>
+                        </m:sSub>
+                        <m:r>
+                          <a:rPr lang="en-US" altLang="ko-KR" sz="2800" i="1">
+                            <a:latin typeface="Cambria Math" panose="02040503050406030204" pitchFamily="18" charset="0"/>
+                          </a:rPr>
+                          <m:t>)</m:t>
+                        </m:r>
+                      </m:e>
+                      <m:sup>
+                        <m:r>
+                          <a:rPr lang="en-US" altLang="ko-KR" sz="2800" i="1">
+                            <a:latin typeface="Cambria Math" panose="02040503050406030204" pitchFamily="18" charset="0"/>
+                          </a:rPr>
+                          <m:t>2</m:t>
+                        </m:r>
+                      </m:sup>
+                    </m:sSup>
+                  </m:oMath>
+                </a14:m>
+                <a:r>
+                  <a:rPr lang="en-US" altLang="ko-KR" sz="2800" dirty="0" smtClean="0"/>
+                  <a:t> = </a:t>
+                </a:r>
+                <a14:m>
+                  <m:oMath xmlns:m="http://schemas.openxmlformats.org/officeDocument/2006/math">
+                    <m:sSub>
+                      <m:sSubPr>
+                        <m:ctrlPr>
+                          <a:rPr lang="en-US" altLang="ko-KR" sz="2800" i="1">
+                            <a:latin typeface="Cambria Math" panose="02040503050406030204" pitchFamily="18" charset="0"/>
+                          </a:rPr>
+                        </m:ctrlPr>
+                      </m:sSubPr>
+                      <m:e>
+                        <m:r>
+                          <a:rPr lang="en-US" altLang="ko-KR" sz="2800" i="1">
+                            <a:latin typeface="Cambria Math" panose="02040503050406030204" pitchFamily="18" charset="0"/>
+                          </a:rPr>
+                          <m:t>𝑦</m:t>
+                        </m:r>
+                      </m:e>
+                      <m:sub>
+                        <m:r>
+                          <a:rPr lang="en-US" altLang="ko-KR" sz="2800" i="1">
+                            <a:latin typeface="Cambria Math" panose="02040503050406030204" pitchFamily="18" charset="0"/>
+                          </a:rPr>
+                          <m:t>𝑗</m:t>
+                        </m:r>
+                      </m:sub>
+                    </m:sSub>
+                    <m:r>
+                      <a:rPr lang="en-US" altLang="ko-KR" sz="2800" i="1">
+                        <a:latin typeface="Cambria Math" panose="02040503050406030204" pitchFamily="18" charset="0"/>
+                      </a:rPr>
+                      <m:t>−</m:t>
+                    </m:r>
+                    <m:sSub>
+                      <m:sSubPr>
+                        <m:ctrlPr>
+                          <a:rPr lang="en-US" altLang="ko-KR" sz="2800" i="1">
+                            <a:latin typeface="Cambria Math" panose="02040503050406030204" pitchFamily="18" charset="0"/>
+                          </a:rPr>
+                        </m:ctrlPr>
+                      </m:sSubPr>
+                      <m:e>
+                        <m:r>
+                          <a:rPr lang="en-US" altLang="ko-KR" sz="2800" i="1">
+                            <a:latin typeface="Cambria Math" panose="02040503050406030204" pitchFamily="18" charset="0"/>
+                          </a:rPr>
+                          <m:t>𝑑</m:t>
+                        </m:r>
+                      </m:e>
+                      <m:sub>
+                        <m:r>
+                          <a:rPr lang="en-US" altLang="ko-KR" sz="2800" i="1">
+                            <a:latin typeface="Cambria Math" panose="02040503050406030204" pitchFamily="18" charset="0"/>
+                          </a:rPr>
+                          <m:t>𝑗</m:t>
+                        </m:r>
+                      </m:sub>
+                    </m:sSub>
+                  </m:oMath>
+                </a14:m>
+                <a:r>
+                  <a:rPr lang="en-US" altLang="ko-KR" dirty="0" smtClean="0"/>
+                  <a:t>      </a:t>
+                </a:r>
+                <a14:m>
+                  <m:oMath xmlns:m="http://schemas.openxmlformats.org/officeDocument/2006/math">
+                    <m:sSub>
+                      <m:sSubPr>
+                        <m:ctrlPr>
+                          <a:rPr lang="en-US" altLang="ko-KR" sz="2800" i="1">
+                            <a:latin typeface="Cambria Math" panose="02040503050406030204" pitchFamily="18" charset="0"/>
+                          </a:rPr>
+                        </m:ctrlPr>
+                      </m:sSubPr>
+                      <m:e>
+                        <m:r>
+                          <a:rPr lang="en-US" altLang="ko-KR" sz="2800" i="1">
+                            <a:latin typeface="Cambria Math" panose="02040503050406030204" pitchFamily="18" charset="0"/>
+                          </a:rPr>
+                          <m:t>𝑦</m:t>
+                        </m:r>
+                      </m:e>
+                      <m:sub>
+                        <m:r>
+                          <a:rPr lang="en-US" altLang="ko-KR" sz="2800" i="1">
+                            <a:latin typeface="Cambria Math" panose="02040503050406030204" pitchFamily="18" charset="0"/>
+                          </a:rPr>
+                          <m:t>𝑗</m:t>
+                        </m:r>
+                      </m:sub>
+                    </m:sSub>
+                  </m:oMath>
+                </a14:m>
+                <a:r>
+                  <a:rPr lang="en-US" altLang="ko-KR" sz="2800" dirty="0" smtClean="0"/>
+                  <a:t> = sigmoid</a:t>
+                </a:r>
+                <a14:m>
+                  <m:oMath xmlns:m="http://schemas.openxmlformats.org/officeDocument/2006/math">
+                    <m:sSub>
+                      <m:sSubPr>
+                        <m:ctrlPr>
+                          <a:rPr lang="en-US" altLang="ko-KR" sz="2800" i="1">
+                            <a:latin typeface="Cambria Math" panose="02040503050406030204" pitchFamily="18" charset="0"/>
+                          </a:rPr>
+                        </m:ctrlPr>
+                      </m:sSubPr>
+                      <m:e>
+                        <m:r>
+                          <a:rPr lang="en-US" altLang="ko-KR" sz="2800" b="0" i="1" smtClean="0">
+                            <a:latin typeface="Cambria Math" panose="02040503050406030204" pitchFamily="18" charset="0"/>
+                          </a:rPr>
+                          <m:t>(</m:t>
+                        </m:r>
+                        <m:r>
+                          <a:rPr lang="en-US" altLang="ko-KR" sz="2800" b="0" i="1" smtClean="0">
+                            <a:latin typeface="Cambria Math" panose="02040503050406030204" pitchFamily="18" charset="0"/>
+                          </a:rPr>
+                          <m:t>𝑥</m:t>
+                        </m:r>
+                      </m:e>
+                      <m:sub>
+                        <m:r>
+                          <a:rPr lang="en-US" altLang="ko-KR" sz="2800" i="1">
+                            <a:latin typeface="Cambria Math" panose="02040503050406030204" pitchFamily="18" charset="0"/>
+                          </a:rPr>
+                          <m:t>𝑗</m:t>
+                        </m:r>
+                      </m:sub>
+                    </m:sSub>
+                    <m:r>
+                      <a:rPr lang="en-US" altLang="ko-KR" sz="2800" b="0" i="1" smtClean="0">
+                        <a:latin typeface="Cambria Math" panose="02040503050406030204" pitchFamily="18" charset="0"/>
+                      </a:rPr>
+                      <m:t>)</m:t>
+                    </m:r>
+                  </m:oMath>
+                </a14:m>
+                <a:endParaRPr lang="en-US" altLang="ko-KR" dirty="0" smtClean="0"/>
+              </a:p>
+              <a:p>
+                <a:endParaRPr lang="en-US" altLang="ko-KR" dirty="0" smtClean="0"/>
+              </a:p>
+              <a:p>
+                <a14:m>
+                  <m:oMath xmlns:m="http://schemas.openxmlformats.org/officeDocument/2006/math">
+                    <m:f>
+                      <m:fPr>
+                        <m:ctrlPr>
+                          <a:rPr lang="en-US" altLang="ko-KR" sz="2800" i="1">
+                            <a:latin typeface="Cambria Math" panose="02040503050406030204" pitchFamily="18" charset="0"/>
+                          </a:rPr>
+                        </m:ctrlPr>
+                      </m:fPr>
+                      <m:num>
+                        <m:r>
+                          <a:rPr lang="en-US" altLang="ko-KR" sz="2800" i="1">
+                            <a:latin typeface="Cambria Math" panose="02040503050406030204" pitchFamily="18" charset="0"/>
+                          </a:rPr>
+                          <m:t>𝜕</m:t>
+                        </m:r>
+                        <m:sSub>
+                          <m:sSubPr>
+                            <m:ctrlPr>
+                              <a:rPr lang="en-US" altLang="ko-KR" sz="2800" i="1">
+                                <a:latin typeface="Cambria Math" panose="02040503050406030204" pitchFamily="18" charset="0"/>
+                              </a:rPr>
+                            </m:ctrlPr>
+                          </m:sSubPr>
+                          <m:e>
+                            <m:r>
+                              <a:rPr lang="en-US" altLang="ko-KR" sz="2800" i="1">
+                                <a:latin typeface="Cambria Math" panose="02040503050406030204" pitchFamily="18" charset="0"/>
+                              </a:rPr>
+                              <m:t>𝑦</m:t>
+                            </m:r>
+                          </m:e>
+                          <m:sub>
+                            <m:r>
+                              <a:rPr lang="en-US" altLang="ko-KR" sz="2800" i="1">
+                                <a:latin typeface="Cambria Math" panose="02040503050406030204" pitchFamily="18" charset="0"/>
+                              </a:rPr>
+                              <m:t>𝑗</m:t>
+                            </m:r>
+                          </m:sub>
+                        </m:sSub>
+                      </m:num>
+                      <m:den>
+                        <m:r>
+                          <a:rPr lang="en-US" altLang="ko-KR" sz="2800" i="1">
+                            <a:latin typeface="Cambria Math" panose="02040503050406030204" pitchFamily="18" charset="0"/>
+                          </a:rPr>
+                          <m:t>𝜕</m:t>
+                        </m:r>
+                        <m:sSub>
+                          <m:sSubPr>
+                            <m:ctrlPr>
+                              <a:rPr lang="en-US" altLang="ko-KR" sz="2800" i="1">
+                                <a:latin typeface="Cambria Math" panose="02040503050406030204" pitchFamily="18" charset="0"/>
+                              </a:rPr>
+                            </m:ctrlPr>
+                          </m:sSubPr>
+                          <m:e>
+                            <m:r>
+                              <a:rPr lang="en-US" altLang="ko-KR" sz="2800" i="1">
+                                <a:latin typeface="Cambria Math" panose="02040503050406030204" pitchFamily="18" charset="0"/>
+                              </a:rPr>
+                              <m:t>𝑥</m:t>
+                            </m:r>
+                          </m:e>
+                          <m:sub>
+                            <m:r>
+                              <a:rPr lang="en-US" altLang="ko-KR" sz="2800" i="1">
+                                <a:latin typeface="Cambria Math" panose="02040503050406030204" pitchFamily="18" charset="0"/>
+                              </a:rPr>
+                              <m:t>𝑗</m:t>
+                            </m:r>
+                          </m:sub>
+                        </m:sSub>
+                      </m:den>
+                    </m:f>
+                  </m:oMath>
+                </a14:m>
+                <a:r>
+                  <a:rPr lang="en-US" altLang="ko-KR" sz="2800" dirty="0" smtClean="0"/>
+                  <a:t> = </a:t>
+                </a:r>
+                <a:r>
+                  <a:rPr lang="en-US" altLang="ko-KR" sz="2800" dirty="0"/>
+                  <a:t>sigmoid</a:t>
+                </a:r>
+                <a14:m>
+                  <m:oMath xmlns:m="http://schemas.openxmlformats.org/officeDocument/2006/math">
+                    <m:sSub>
+                      <m:sSubPr>
+                        <m:ctrlPr>
+                          <a:rPr lang="en-US" altLang="ko-KR" sz="2800" i="1">
+                            <a:latin typeface="Cambria Math" panose="02040503050406030204" pitchFamily="18" charset="0"/>
+                          </a:rPr>
+                        </m:ctrlPr>
+                      </m:sSubPr>
+                      <m:e>
+                        <m:r>
+                          <a:rPr lang="en-US" altLang="ko-KR" sz="2800" i="1">
+                            <a:latin typeface="Cambria Math" panose="02040503050406030204" pitchFamily="18" charset="0"/>
+                          </a:rPr>
+                          <m:t>(</m:t>
+                        </m:r>
+                        <m:r>
+                          <a:rPr lang="en-US" altLang="ko-KR" sz="2800" i="1">
+                            <a:latin typeface="Cambria Math" panose="02040503050406030204" pitchFamily="18" charset="0"/>
+                          </a:rPr>
+                          <m:t>𝑥</m:t>
+                        </m:r>
+                      </m:e>
+                      <m:sub>
+                        <m:r>
+                          <a:rPr lang="en-US" altLang="ko-KR" sz="2800" i="1">
+                            <a:latin typeface="Cambria Math" panose="02040503050406030204" pitchFamily="18" charset="0"/>
+                          </a:rPr>
+                          <m:t>𝑗</m:t>
+                        </m:r>
+                      </m:sub>
+                    </m:sSub>
+                    <m:r>
+                      <a:rPr lang="en-US" altLang="ko-KR" sz="2800" i="1">
+                        <a:latin typeface="Cambria Math" panose="02040503050406030204" pitchFamily="18" charset="0"/>
+                      </a:rPr>
+                      <m:t>)</m:t>
+                    </m:r>
+                  </m:oMath>
+                </a14:m>
+                <a:r>
+                  <a:rPr lang="en-US" altLang="ko-KR" sz="2800" dirty="0" smtClean="0"/>
+                  <a:t> * (</a:t>
+                </a:r>
+                <a14:m>
+                  <m:oMath xmlns:m="http://schemas.openxmlformats.org/officeDocument/2006/math">
+                    <m:r>
+                      <a:rPr lang="en-US" altLang="ko-KR" sz="2800" b="0" i="1" smtClean="0">
+                        <a:latin typeface="Cambria Math" panose="02040503050406030204" pitchFamily="18" charset="0"/>
+                      </a:rPr>
+                      <m:t>1−</m:t>
+                    </m:r>
+                    <m:r>
+                      <m:rPr>
+                        <m:nor/>
+                      </m:rPr>
+                      <a:rPr lang="en-US" altLang="ko-KR" sz="2800" dirty="0"/>
+                      <m:t>sigmoid</m:t>
+                    </m:r>
+                    <m:sSub>
+                      <m:sSubPr>
+                        <m:ctrlPr>
+                          <a:rPr lang="en-US" altLang="ko-KR" sz="2800" i="1">
+                            <a:latin typeface="Cambria Math" panose="02040503050406030204" pitchFamily="18" charset="0"/>
+                          </a:rPr>
+                        </m:ctrlPr>
+                      </m:sSubPr>
+                      <m:e>
+                        <m:r>
+                          <a:rPr lang="en-US" altLang="ko-KR" sz="2800" i="1">
+                            <a:latin typeface="Cambria Math" panose="02040503050406030204" pitchFamily="18" charset="0"/>
+                          </a:rPr>
+                          <m:t>(</m:t>
+                        </m:r>
+                        <m:r>
+                          <a:rPr lang="en-US" altLang="ko-KR" sz="2800" i="1">
+                            <a:latin typeface="Cambria Math" panose="02040503050406030204" pitchFamily="18" charset="0"/>
+                          </a:rPr>
+                          <m:t>𝑥</m:t>
+                        </m:r>
+                      </m:e>
+                      <m:sub>
+                        <m:r>
+                          <a:rPr lang="en-US" altLang="ko-KR" sz="2800" i="1">
+                            <a:latin typeface="Cambria Math" panose="02040503050406030204" pitchFamily="18" charset="0"/>
+                          </a:rPr>
+                          <m:t>𝑗</m:t>
+                        </m:r>
+                      </m:sub>
+                    </m:sSub>
+                    <m:r>
+                      <a:rPr lang="en-US" altLang="ko-KR" sz="2800" i="1">
+                        <a:latin typeface="Cambria Math" panose="02040503050406030204" pitchFamily="18" charset="0"/>
+                      </a:rPr>
+                      <m:t>)</m:t>
+                    </m:r>
+                  </m:oMath>
+                </a14:m>
+                <a:r>
+                  <a:rPr lang="en-US" altLang="ko-KR" sz="2800" dirty="0" smtClean="0"/>
+                  <a:t>)</a:t>
+                </a:r>
+                <a:endParaRPr lang="en-US" altLang="ko-KR" sz="2000" b="1" dirty="0" smtClean="0"/>
+              </a:p>
+              <a:p>
+                <a:endParaRPr lang="en-US" altLang="ko-KR" dirty="0" smtClean="0"/>
+              </a:p>
+            </p:txBody>
+          </p:sp>
+        </mc:Choice>
+        <mc:Fallback>
+          <p:sp>
+            <p:nvSpPr>
+              <p:cNvPr id="17" name="TextBox 16"/>
+              <p:cNvSpPr txBox="1">
+                <a:spLocks noRot="1" noChangeAspect="1" noMove="1" noResize="1" noEditPoints="1" noAdjustHandles="1" noChangeArrowheads="1" noChangeShapeType="1" noTextEdit="1"/>
+              </p:cNvSpPr>
+              <p:nvPr/>
+            </p:nvSpPr>
+            <p:spPr>
+              <a:xfrm>
+                <a:off x="755575" y="1594438"/>
+                <a:ext cx="7776864" cy="3902287"/>
+              </a:xfrm>
+              <a:prstGeom prst="rect">
+                <a:avLst/>
+              </a:prstGeom>
+              <a:blipFill>
+                <a:blip r:embed="rId2"/>
+                <a:stretch>
+                  <a:fillRect l="-705" t="-938"/>
+                </a:stretch>
+              </a:blipFill>
+            </p:spPr>
+            <p:txBody>
+              <a:bodyPr/>
+              <a:lstStyle/>
+              <a:p>
+                <a:r>
+                  <a:rPr lang="ko-KR" altLang="en-US">
+                    <a:noFill/>
+                  </a:rPr>
+                  <a:t> </a:t>
+                </a:r>
+              </a:p>
+            </p:txBody>
+          </p:sp>
+        </mc:Fallback>
+      </mc:AlternateContent>
     </p:spTree>
   </p:cSld>
   <p:clrMapOvr>
@@ -7956,7 +9070,7 @@
         <p:grpSpPr>
           <a:xfrm>
             <a:off x="467544" y="1340768"/>
-            <a:ext cx="8280920" cy="4680520"/>
+            <a:ext cx="8280920" cy="4176464"/>
             <a:chOff x="755576" y="3573016"/>
             <a:chExt cx="7632848" cy="2736304"/>
           </a:xfrm>
@@ -8056,241 +9170,567 @@
           </p:txBody>
         </p:sp>
       </p:grpSp>
-      <p:grpSp>
-        <p:nvGrpSpPr>
-          <p:cNvPr id="24" name="그룹 23"/>
-          <p:cNvGrpSpPr/>
-          <p:nvPr/>
-        </p:nvGrpSpPr>
-        <p:grpSpPr>
-          <a:xfrm>
-            <a:off x="899592" y="1700808"/>
-            <a:ext cx="2808312" cy="504056"/>
-            <a:chOff x="2377852" y="4315956"/>
-            <a:chExt cx="4282380" cy="864096"/>
-          </a:xfrm>
-        </p:grpSpPr>
-        <p:pic>
-          <p:nvPicPr>
-            <p:cNvPr id="18" name="Picture 6" descr="{&quot;font&quot;:{&quot;color&quot;:&quot;#000000&quot;,&quot;size&quot;:12.000000321804123,&quot;family&quot;:&quot;Arial&quot;},&quot;code&quot;:&quot;$x_{j}\\,=\\,$&quot;,&quot;backgroundColorNonDefault&quot;:false,&quot;aid&quot;:null,&quot;id&quot;:&quot;4&quot;,&quot;type&quot;:&quot;$&quot;,&quot;backgroundColor&quot;:&quot;#FFFFFF&quot;,&quot;ts&quot;:1606140410117,&quot;cs&quot;:&quot;eug6Wk8Rz/iO3HcWiojwvg==&quot;,&quot;size&quot;:{&quot;width&quot;:38.833349663441574,&quot;height&quot;:14.333339360755259}}"/>
-            <p:cNvPicPr>
-              <a:picLocks noChangeAspect="1" noChangeArrowheads="1"/>
-            </p:cNvPicPr>
-            <p:nvPr/>
-          </p:nvPicPr>
-          <p:blipFill>
-            <a:blip r:embed="rId2" cstate="print"/>
-            <a:srcRect/>
-            <a:stretch>
-              <a:fillRect/>
-            </a:stretch>
-          </p:blipFill>
-          <p:spPr bwMode="auto">
-            <a:xfrm>
-              <a:off x="2377852" y="4534480"/>
-              <a:ext cx="1368152" cy="504984"/>
-            </a:xfrm>
-            <a:prstGeom prst="rect">
-              <a:avLst/>
-            </a:prstGeom>
-            <a:noFill/>
-          </p:spPr>
-        </p:pic>
-        <p:pic>
-          <p:nvPicPr>
-            <p:cNvPr id="19" name="Picture 8" descr="{&quot;code&quot;:&quot;$\\Sigma $&quot;,&quot;id&quot;:&quot;4&quot;,&quot;font&quot;:{&quot;size&quot;:111.24137651017935,&quot;color&quot;:&quot;#000000&quot;,&quot;family&quot;:&quot;Arial&quot;},&quot;backgroundColorNonDefault&quot;:false,&quot;aid&quot;:null,&quot;backgroundColor&quot;:&quot;#FFFFFF&quot;,&quot;type&quot;:&quot;$&quot;,&quot;ts&quot;:1606140455783,&quot;cs&quot;:&quot;ORV9nNH+ziv+LTWbavNa2w==&quot;,&quot;size&quot;:{&quot;width&quot;:108.66671236293523,&quot;height&quot;:120.8333841459019}}"/>
-            <p:cNvPicPr>
-              <a:picLocks noChangeAspect="1" noChangeArrowheads="1"/>
-            </p:cNvPicPr>
-            <p:nvPr/>
-          </p:nvPicPr>
-          <p:blipFill>
-            <a:blip r:embed="rId3" cstate="print"/>
-            <a:srcRect/>
-            <a:stretch>
-              <a:fillRect/>
-            </a:stretch>
-          </p:blipFill>
-          <p:spPr bwMode="auto">
-            <a:xfrm>
-              <a:off x="4124712" y="4315956"/>
-              <a:ext cx="777091" cy="864096"/>
-            </a:xfrm>
-            <a:prstGeom prst="rect">
-              <a:avLst/>
-            </a:prstGeom>
-            <a:noFill/>
-          </p:spPr>
-        </p:pic>
-        <p:pic>
-          <p:nvPicPr>
-            <p:cNvPr id="22" name="Picture 2" descr="{&quot;backgroundColor&quot;:&quot;#FFFFFF&quot;,&quot;backgroundColorNonDefault&quot;:false,&quot;type&quot;:&quot;$&quot;,&quot;font&quot;:{&quot;color&quot;:&quot;#000000&quot;,&quot;family&quot;:&quot;Arial&quot;,&quot;size&quot;:12.000000321804125},&quot;code&quot;:&quot;$y_{i}$&quot;,&quot;aid&quot;:null,&quot;id&quot;:&quot;2&quot;,&quot;ts&quot;:1606139958834,&quot;cs&quot;:&quot;c43ky/Qlggc+8MykYYXOlQ==&quot;,&quot;size&quot;:{&quot;width&quot;:13.000005466731514,&quot;height&quot;:12.50000525647261}}"/>
-            <p:cNvPicPr>
-              <a:picLocks noChangeAspect="1" noChangeArrowheads="1"/>
-            </p:cNvPicPr>
-            <p:nvPr/>
-          </p:nvPicPr>
-          <p:blipFill>
-            <a:blip r:embed="rId4" cstate="print"/>
-            <a:srcRect/>
-            <a:stretch>
-              <a:fillRect/>
-            </a:stretch>
-          </p:blipFill>
-          <p:spPr bwMode="auto">
-            <a:xfrm>
-              <a:off x="5186164" y="4509120"/>
-              <a:ext cx="426224" cy="409831"/>
-            </a:xfrm>
-            <a:prstGeom prst="rect">
-              <a:avLst/>
-            </a:prstGeom>
-            <a:noFill/>
-          </p:spPr>
-        </p:pic>
-        <p:pic>
-          <p:nvPicPr>
-            <p:cNvPr id="23" name="Picture 4" descr="{&quot;type&quot;:&quot;$&quot;,&quot;id&quot;:&quot;3&quot;,&quot;backgroundColorNonDefault&quot;:false,&quot;aid&quot;:null,&quot;code&quot;:&quot;$w_{ij}$&quot;,&quot;font&quot;:{&quot;color&quot;:&quot;#000000&quot;,&quot;size&quot;:12.000000321804126,&quot;family&quot;:&quot;Arial&quot;},&quot;backgroundColor&quot;:&quot;#FFFFFF&quot;,&quot;ts&quot;:1606140178541,&quot;cs&quot;:&quot;we8gq+lhBxZEkbN5k3ZskA==&quot;,&quot;size&quot;:{&quot;width&quot;:22.666676198403668,&quot;height&quot;:14.000005887249323}}"/>
-            <p:cNvPicPr>
-              <a:picLocks noChangeAspect="1" noChangeArrowheads="1"/>
-            </p:cNvPicPr>
-            <p:nvPr/>
-          </p:nvPicPr>
-          <p:blipFill>
-            <a:blip r:embed="rId5" cstate="print"/>
-            <a:srcRect/>
-            <a:stretch>
-              <a:fillRect/>
-            </a:stretch>
-          </p:blipFill>
-          <p:spPr bwMode="auto">
-            <a:xfrm>
-              <a:off x="5871570" y="4501500"/>
-              <a:ext cx="788662" cy="487113"/>
-            </a:xfrm>
-            <a:prstGeom prst="rect">
-              <a:avLst/>
-            </a:prstGeom>
-            <a:noFill/>
-          </p:spPr>
-        </p:pic>
-      </p:grpSp>
-      <p:sp>
-        <p:nvSpPr>
-          <p:cNvPr id="25" name="TextBox 24"/>
-          <p:cNvSpPr txBox="1"/>
-          <p:nvPr/>
-        </p:nvSpPr>
-        <p:spPr>
-          <a:xfrm>
-            <a:off x="827584" y="2420888"/>
-            <a:ext cx="7272808" cy="2308324"/>
-          </a:xfrm>
-          <a:prstGeom prst="rect">
-            <a:avLst/>
-          </a:prstGeom>
-          <a:noFill/>
-        </p:spPr>
-        <p:txBody>
-          <a:bodyPr wrap="square" rtlCol="0">
-            <a:spAutoFit/>
-          </a:bodyPr>
-          <a:lstStyle/>
-          <a:p>
-            <a:r>
-              <a:rPr lang="en-US" altLang="ko-KR" dirty="0" smtClean="0"/>
-              <a:t>-&gt; </a:t>
-            </a:r>
-            <a:r>
-              <a:rPr lang="en-US" altLang="ko-KR" dirty="0" err="1" smtClean="0"/>
-              <a:t>dxj</a:t>
-            </a:r>
-            <a:r>
-              <a:rPr lang="en-US" altLang="ko-KR" dirty="0" smtClean="0"/>
-              <a:t>/</a:t>
-            </a:r>
-            <a:r>
-              <a:rPr lang="en-US" altLang="ko-KR" dirty="0" err="1" smtClean="0"/>
-              <a:t>dwij</a:t>
-            </a:r>
-            <a:endParaRPr lang="en-US" altLang="ko-KR" dirty="0" smtClean="0"/>
-          </a:p>
-          <a:p>
-            <a:endParaRPr lang="en-US" altLang="ko-KR" dirty="0" smtClean="0"/>
-          </a:p>
-          <a:p>
-            <a:endParaRPr lang="en-US" altLang="ko-KR" dirty="0" smtClean="0"/>
-          </a:p>
-          <a:p>
-            <a:endParaRPr lang="en-US" altLang="ko-KR" dirty="0" smtClean="0"/>
-          </a:p>
-          <a:p>
-            <a:endParaRPr lang="en-US" altLang="ko-KR" dirty="0" smtClean="0"/>
-          </a:p>
-          <a:p>
-            <a:endParaRPr lang="en-US" altLang="ko-KR" dirty="0" smtClean="0"/>
-          </a:p>
-          <a:p>
-            <a:r>
-              <a:rPr lang="en-US" altLang="ko-KR" dirty="0" smtClean="0"/>
-              <a:t>We can chain them together to figure out how the error changes with the weights</a:t>
-            </a:r>
-            <a:endParaRPr lang="ko-KR" altLang="en-US" dirty="0"/>
-          </a:p>
-        </p:txBody>
-      </p:sp>
-      <p:pic>
-        <p:nvPicPr>
-          <p:cNvPr id="24586" name="Picture 10" descr="\displaystyle \frac{\partial x_j}{\partial w_{ij}} = y_i"/>
-          <p:cNvPicPr>
-            <a:picLocks noChangeAspect="1" noChangeArrowheads="1"/>
-          </p:cNvPicPr>
-          <p:nvPr/>
-        </p:nvPicPr>
-        <p:blipFill>
-          <a:blip r:embed="rId6" cstate="print"/>
-          <a:srcRect/>
-          <a:stretch>
-            <a:fillRect/>
-          </a:stretch>
-        </p:blipFill>
-        <p:spPr bwMode="auto">
-          <a:xfrm>
-            <a:off x="899592" y="2996952"/>
-            <a:ext cx="1368152" cy="808453"/>
-          </a:xfrm>
-          <a:prstGeom prst="rect">
-            <a:avLst/>
-          </a:prstGeom>
-          <a:noFill/>
-        </p:spPr>
-      </p:pic>
-      <p:pic>
-        <p:nvPicPr>
-          <p:cNvPr id="24588" name="Picture 12" descr="\displaystyle \frac{\partial E}{\partial w} = \frac{\partial E}{\partial y}  \cdot \frac{\partial y}{\partial x}  \cdot \frac{\partial x}{\partial w}"/>
-          <p:cNvPicPr>
-            <a:picLocks noChangeAspect="1" noChangeArrowheads="1"/>
-          </p:cNvPicPr>
-          <p:nvPr/>
-        </p:nvPicPr>
-        <p:blipFill>
-          <a:blip r:embed="rId7" cstate="print"/>
-          <a:srcRect/>
-          <a:stretch>
-            <a:fillRect/>
-          </a:stretch>
-        </p:blipFill>
-        <p:spPr bwMode="auto">
-          <a:xfrm>
-            <a:off x="971600" y="4869160"/>
-            <a:ext cx="2404682" cy="648072"/>
-          </a:xfrm>
-          <a:prstGeom prst="rect">
-            <a:avLst/>
-          </a:prstGeom>
-          <a:noFill/>
-        </p:spPr>
-      </p:pic>
+      <mc:AlternateContent xmlns:mc="http://schemas.openxmlformats.org/markup-compatibility/2006">
+        <mc:Choice xmlns:a14="http://schemas.microsoft.com/office/drawing/2010/main" Requires="a14">
+          <p:sp>
+            <p:nvSpPr>
+              <p:cNvPr id="25" name="TextBox 24"/>
+              <p:cNvSpPr txBox="1"/>
+              <p:nvPr/>
+            </p:nvSpPr>
+            <p:spPr>
+              <a:xfrm>
+                <a:off x="827584" y="2420888"/>
+                <a:ext cx="7272808" cy="2895729"/>
+              </a:xfrm>
+              <a:prstGeom prst="rect">
+                <a:avLst/>
+              </a:prstGeom>
+              <a:noFill/>
+            </p:spPr>
+            <p:txBody>
+              <a:bodyPr wrap="square" rtlCol="0">
+                <a:spAutoFit/>
+              </a:bodyPr>
+              <a:lstStyle/>
+              <a:p>
+                <a:endParaRPr lang="en-US" altLang="ko-KR" dirty="0" smtClean="0"/>
+              </a:p>
+              <a:p>
+                <a:r>
+                  <a:rPr lang="en-US" altLang="ko-KR" sz="2400" dirty="0"/>
+                  <a:t>-&gt;  </a:t>
+                </a:r>
+                <a14:m>
+                  <m:oMath xmlns:m="http://schemas.openxmlformats.org/officeDocument/2006/math">
+                    <m:f>
+                      <m:fPr>
+                        <m:ctrlPr>
+                          <a:rPr lang="en-US" altLang="ko-KR" sz="2400" i="1">
+                            <a:latin typeface="Cambria Math" panose="02040503050406030204" pitchFamily="18" charset="0"/>
+                          </a:rPr>
+                        </m:ctrlPr>
+                      </m:fPr>
+                      <m:num>
+                        <m:r>
+                          <a:rPr lang="en-US" altLang="ko-KR" sz="2400" i="1">
+                            <a:latin typeface="Cambria Math" panose="02040503050406030204" pitchFamily="18" charset="0"/>
+                          </a:rPr>
+                          <m:t>𝜕</m:t>
+                        </m:r>
+                        <m:sSub>
+                          <m:sSubPr>
+                            <m:ctrlPr>
+                              <a:rPr lang="en-US" altLang="ko-KR" sz="2400" i="1">
+                                <a:latin typeface="Cambria Math" panose="02040503050406030204" pitchFamily="18" charset="0"/>
+                              </a:rPr>
+                            </m:ctrlPr>
+                          </m:sSubPr>
+                          <m:e>
+                            <m:r>
+                              <a:rPr lang="en-US" altLang="ko-KR" sz="2400" i="1">
+                                <a:latin typeface="Cambria Math" panose="02040503050406030204" pitchFamily="18" charset="0"/>
+                              </a:rPr>
+                              <m:t>𝑥</m:t>
+                            </m:r>
+                          </m:e>
+                          <m:sub>
+                            <m:r>
+                              <a:rPr lang="en-US" altLang="ko-KR" sz="2400" i="1">
+                                <a:latin typeface="Cambria Math" panose="02040503050406030204" pitchFamily="18" charset="0"/>
+                              </a:rPr>
+                              <m:t>𝑗</m:t>
+                            </m:r>
+                          </m:sub>
+                        </m:sSub>
+                      </m:num>
+                      <m:den>
+                        <m:r>
+                          <a:rPr lang="en-US" altLang="ko-KR" sz="2400" i="1">
+                            <a:latin typeface="Cambria Math" panose="02040503050406030204" pitchFamily="18" charset="0"/>
+                          </a:rPr>
+                          <m:t>𝜕</m:t>
+                        </m:r>
+                        <m:sSub>
+                          <m:sSubPr>
+                            <m:ctrlPr>
+                              <a:rPr lang="en-US" altLang="ko-KR" sz="2400" i="1">
+                                <a:latin typeface="Cambria Math" panose="02040503050406030204" pitchFamily="18" charset="0"/>
+                              </a:rPr>
+                            </m:ctrlPr>
+                          </m:sSubPr>
+                          <m:e>
+                            <m:r>
+                              <a:rPr lang="en-US" altLang="ko-KR" sz="2400" i="1">
+                                <a:latin typeface="Cambria Math" panose="02040503050406030204" pitchFamily="18" charset="0"/>
+                              </a:rPr>
+                              <m:t>𝑤</m:t>
+                            </m:r>
+                          </m:e>
+                          <m:sub>
+                            <m:r>
+                              <a:rPr lang="en-US" altLang="ko-KR" sz="2400" i="1">
+                                <a:latin typeface="Cambria Math" panose="02040503050406030204" pitchFamily="18" charset="0"/>
+                              </a:rPr>
+                              <m:t>𝑖</m:t>
+                            </m:r>
+                            <m:r>
+                              <a:rPr lang="en-US" altLang="ko-KR" sz="2400" i="1">
+                                <a:latin typeface="Cambria Math" panose="02040503050406030204" pitchFamily="18" charset="0"/>
+                              </a:rPr>
+                              <m:t>𝑗</m:t>
+                            </m:r>
+                          </m:sub>
+                        </m:sSub>
+                      </m:den>
+                    </m:f>
+                  </m:oMath>
+                </a14:m>
+                <a:r>
+                  <a:rPr lang="en-US" altLang="ko-KR" sz="2400" dirty="0" smtClean="0"/>
+                  <a:t> = </a:t>
+                </a:r>
+                <a14:m>
+                  <m:oMath xmlns:m="http://schemas.openxmlformats.org/officeDocument/2006/math">
+                    <m:sSub>
+                      <m:sSubPr>
+                        <m:ctrlPr>
+                          <a:rPr lang="en-US" altLang="ko-KR" sz="2400" i="1">
+                            <a:latin typeface="Cambria Math" panose="02040503050406030204" pitchFamily="18" charset="0"/>
+                          </a:rPr>
+                        </m:ctrlPr>
+                      </m:sSubPr>
+                      <m:e>
+                        <m:r>
+                          <a:rPr lang="en-US" altLang="ko-KR" sz="2400" i="1">
+                            <a:latin typeface="Cambria Math" panose="02040503050406030204" pitchFamily="18" charset="0"/>
+                          </a:rPr>
+                          <m:t>𝑦</m:t>
+                        </m:r>
+                      </m:e>
+                      <m:sub>
+                        <m:r>
+                          <a:rPr lang="en-US" altLang="ko-KR" sz="2400" i="1">
+                            <a:latin typeface="Cambria Math" panose="02040503050406030204" pitchFamily="18" charset="0"/>
+                          </a:rPr>
+                          <m:t>𝑖</m:t>
+                        </m:r>
+                      </m:sub>
+                    </m:sSub>
+                  </m:oMath>
+                </a14:m>
+                <a:endParaRPr lang="en-US" altLang="ko-KR" sz="2400" dirty="0" smtClean="0"/>
+              </a:p>
+              <a:p>
+                <a:endParaRPr lang="en-US" altLang="ko-KR" dirty="0" smtClean="0"/>
+              </a:p>
+              <a:p>
+                <a:r>
+                  <a:rPr lang="en-US" altLang="ko-KR" dirty="0" smtClean="0"/>
+                  <a:t>We can chain them together to figure out how the error changes with the </a:t>
+                </a:r>
+                <a:r>
+                  <a:rPr lang="en-US" altLang="ko-KR" dirty="0" smtClean="0"/>
+                  <a:t>weights</a:t>
+                </a:r>
+              </a:p>
+              <a:p>
+                <a:endParaRPr lang="en-US" altLang="ko-KR" dirty="0"/>
+              </a:p>
+              <a:p>
+                <a14:m>
+                  <m:oMathPara xmlns:m="http://schemas.openxmlformats.org/officeDocument/2006/math">
+                    <m:oMathParaPr>
+                      <m:jc m:val="centerGroup"/>
+                    </m:oMathParaPr>
+                    <m:oMath xmlns:m="http://schemas.openxmlformats.org/officeDocument/2006/math">
+                      <m:f>
+                        <m:fPr>
+                          <m:ctrlPr>
+                            <a:rPr lang="en-US" altLang="ko-KR" sz="2400" i="1">
+                              <a:latin typeface="Cambria Math" panose="02040503050406030204" pitchFamily="18" charset="0"/>
+                            </a:rPr>
+                          </m:ctrlPr>
+                        </m:fPr>
+                        <m:num>
+                          <m:r>
+                            <a:rPr lang="en-US" altLang="ko-KR" sz="2400" i="1">
+                              <a:latin typeface="Cambria Math" panose="02040503050406030204" pitchFamily="18" charset="0"/>
+                            </a:rPr>
+                            <m:t>𝜕</m:t>
+                          </m:r>
+                          <m:r>
+                            <a:rPr lang="en-US" altLang="ko-KR" sz="2400" b="0" i="1" smtClean="0">
+                              <a:latin typeface="Cambria Math" panose="02040503050406030204" pitchFamily="18" charset="0"/>
+                            </a:rPr>
+                            <m:t>𝐸</m:t>
+                          </m:r>
+                        </m:num>
+                        <m:den>
+                          <m:r>
+                            <a:rPr lang="en-US" altLang="ko-KR" sz="2400" i="1">
+                              <a:latin typeface="Cambria Math" panose="02040503050406030204" pitchFamily="18" charset="0"/>
+                            </a:rPr>
+                            <m:t>𝜕</m:t>
+                          </m:r>
+                          <m:r>
+                            <a:rPr lang="en-US" altLang="ko-KR" sz="2400" b="0" i="1" smtClean="0">
+                              <a:latin typeface="Cambria Math" panose="02040503050406030204" pitchFamily="18" charset="0"/>
+                            </a:rPr>
+                            <m:t>𝑤</m:t>
+                          </m:r>
+                        </m:den>
+                      </m:f>
+                      <m:r>
+                        <a:rPr lang="en-US" altLang="ko-KR" sz="2400" b="0" i="1" smtClean="0">
+                          <a:latin typeface="Cambria Math" panose="02040503050406030204" pitchFamily="18" charset="0"/>
+                        </a:rPr>
+                        <m:t>= </m:t>
+                      </m:r>
+                      <m:f>
+                        <m:fPr>
+                          <m:ctrlPr>
+                            <a:rPr lang="en-US" altLang="ko-KR" sz="2400" i="1">
+                              <a:latin typeface="Cambria Math" panose="02040503050406030204" pitchFamily="18" charset="0"/>
+                            </a:rPr>
+                          </m:ctrlPr>
+                        </m:fPr>
+                        <m:num>
+                          <m:r>
+                            <a:rPr lang="en-US" altLang="ko-KR" sz="2400" i="1">
+                              <a:latin typeface="Cambria Math" panose="02040503050406030204" pitchFamily="18" charset="0"/>
+                            </a:rPr>
+                            <m:t>𝜕</m:t>
+                          </m:r>
+                          <m:r>
+                            <a:rPr lang="en-US" altLang="ko-KR" sz="2400" b="0" i="1" smtClean="0">
+                              <a:latin typeface="Cambria Math" panose="02040503050406030204" pitchFamily="18" charset="0"/>
+                            </a:rPr>
+                            <m:t>𝐸</m:t>
+                          </m:r>
+                        </m:num>
+                        <m:den>
+                          <m:r>
+                            <a:rPr lang="en-US" altLang="ko-KR" sz="2400" i="1">
+                              <a:latin typeface="Cambria Math" panose="02040503050406030204" pitchFamily="18" charset="0"/>
+                            </a:rPr>
+                            <m:t>𝜕</m:t>
+                          </m:r>
+                          <m:r>
+                            <a:rPr lang="en-US" altLang="ko-KR" sz="2400" b="0" i="1" smtClean="0">
+                              <a:latin typeface="Cambria Math" panose="02040503050406030204" pitchFamily="18" charset="0"/>
+                            </a:rPr>
+                            <m:t>𝑦</m:t>
+                          </m:r>
+                        </m:den>
+                      </m:f>
+                      <m:r>
+                        <a:rPr lang="en-US" altLang="ko-KR" sz="2400" b="0" i="1" smtClean="0">
+                          <a:latin typeface="Cambria Math" panose="02040503050406030204" pitchFamily="18" charset="0"/>
+                        </a:rPr>
+                        <m:t>∗</m:t>
+                      </m:r>
+                      <m:f>
+                        <m:fPr>
+                          <m:ctrlPr>
+                            <a:rPr lang="en-US" altLang="ko-KR" sz="2400" i="1">
+                              <a:latin typeface="Cambria Math" panose="02040503050406030204" pitchFamily="18" charset="0"/>
+                            </a:rPr>
+                          </m:ctrlPr>
+                        </m:fPr>
+                        <m:num>
+                          <m:r>
+                            <a:rPr lang="en-US" altLang="ko-KR" sz="2400" i="1">
+                              <a:latin typeface="Cambria Math" panose="02040503050406030204" pitchFamily="18" charset="0"/>
+                            </a:rPr>
+                            <m:t>𝜕</m:t>
+                          </m:r>
+                          <m:r>
+                            <a:rPr lang="en-US" altLang="ko-KR" sz="2400" b="0" i="1" smtClean="0">
+                              <a:latin typeface="Cambria Math" panose="02040503050406030204" pitchFamily="18" charset="0"/>
+                            </a:rPr>
+                            <m:t>𝑦</m:t>
+                          </m:r>
+                        </m:num>
+                        <m:den>
+                          <m:r>
+                            <a:rPr lang="en-US" altLang="ko-KR" sz="2400" i="1">
+                              <a:latin typeface="Cambria Math" panose="02040503050406030204" pitchFamily="18" charset="0"/>
+                            </a:rPr>
+                            <m:t>𝜕</m:t>
+                          </m:r>
+                          <m:r>
+                            <a:rPr lang="en-US" altLang="ko-KR" sz="2400" b="0" i="1" smtClean="0">
+                              <a:latin typeface="Cambria Math" panose="02040503050406030204" pitchFamily="18" charset="0"/>
+                            </a:rPr>
+                            <m:t>𝑥</m:t>
+                          </m:r>
+                        </m:den>
+                      </m:f>
+                      <m:r>
+                        <a:rPr lang="en-US" altLang="ko-KR" sz="2400" b="0" i="1" smtClean="0">
+                          <a:latin typeface="Cambria Math" panose="02040503050406030204" pitchFamily="18" charset="0"/>
+                        </a:rPr>
+                        <m:t>∗</m:t>
+                      </m:r>
+                      <m:f>
+                        <m:fPr>
+                          <m:ctrlPr>
+                            <a:rPr lang="en-US" altLang="ko-KR" sz="2400" i="1">
+                              <a:latin typeface="Cambria Math" panose="02040503050406030204" pitchFamily="18" charset="0"/>
+                            </a:rPr>
+                          </m:ctrlPr>
+                        </m:fPr>
+                        <m:num>
+                          <m:r>
+                            <a:rPr lang="en-US" altLang="ko-KR" sz="2400" i="1">
+                              <a:latin typeface="Cambria Math" panose="02040503050406030204" pitchFamily="18" charset="0"/>
+                            </a:rPr>
+                            <m:t>𝜕</m:t>
+                          </m:r>
+                          <m:r>
+                            <a:rPr lang="en-US" altLang="ko-KR" sz="2400" b="0" i="1" smtClean="0">
+                              <a:latin typeface="Cambria Math" panose="02040503050406030204" pitchFamily="18" charset="0"/>
+                            </a:rPr>
+                            <m:t>𝑥</m:t>
+                          </m:r>
+                        </m:num>
+                        <m:den>
+                          <m:r>
+                            <a:rPr lang="en-US" altLang="ko-KR" sz="2400" i="1">
+                              <a:latin typeface="Cambria Math" panose="02040503050406030204" pitchFamily="18" charset="0"/>
+                            </a:rPr>
+                            <m:t>𝜕</m:t>
+                          </m:r>
+                          <m:r>
+                            <a:rPr lang="en-US" altLang="ko-KR" sz="2400" b="0" i="1" smtClean="0">
+                              <a:latin typeface="Cambria Math" panose="02040503050406030204" pitchFamily="18" charset="0"/>
+                            </a:rPr>
+                            <m:t>𝑤</m:t>
+                          </m:r>
+                        </m:den>
+                      </m:f>
+                    </m:oMath>
+                  </m:oMathPara>
+                </a14:m>
+                <a:endParaRPr lang="ko-KR" altLang="en-US" dirty="0"/>
+              </a:p>
+            </p:txBody>
+          </p:sp>
+        </mc:Choice>
+        <mc:Fallback>
+          <p:sp>
+            <p:nvSpPr>
+              <p:cNvPr id="25" name="TextBox 24"/>
+              <p:cNvSpPr txBox="1">
+                <a:spLocks noRot="1" noChangeAspect="1" noMove="1" noResize="1" noEditPoints="1" noAdjustHandles="1" noChangeArrowheads="1" noChangeShapeType="1" noTextEdit="1"/>
+              </p:cNvSpPr>
+              <p:nvPr/>
+            </p:nvSpPr>
+            <p:spPr>
+              <a:xfrm>
+                <a:off x="827584" y="2420888"/>
+                <a:ext cx="7272808" cy="2895729"/>
+              </a:xfrm>
+              <a:prstGeom prst="rect">
+                <a:avLst/>
+              </a:prstGeom>
+              <a:blipFill>
+                <a:blip r:embed="rId2"/>
+                <a:stretch>
+                  <a:fillRect l="-1341"/>
+                </a:stretch>
+              </a:blipFill>
+            </p:spPr>
+            <p:txBody>
+              <a:bodyPr/>
+              <a:lstStyle/>
+              <a:p>
+                <a:r>
+                  <a:rPr lang="ko-KR" altLang="en-US">
+                    <a:noFill/>
+                  </a:rPr>
+                  <a:t> </a:t>
+                </a:r>
+              </a:p>
+            </p:txBody>
+          </p:sp>
+        </mc:Fallback>
+      </mc:AlternateContent>
+      <mc:AlternateContent xmlns:mc="http://schemas.openxmlformats.org/markup-compatibility/2006">
+        <mc:Choice xmlns:a14="http://schemas.microsoft.com/office/drawing/2010/main" Requires="a14">
+          <p:sp>
+            <p:nvSpPr>
+              <p:cNvPr id="26" name="TextBox 25"/>
+              <p:cNvSpPr txBox="1"/>
+              <p:nvPr/>
+            </p:nvSpPr>
+            <p:spPr>
+              <a:xfrm>
+                <a:off x="827584" y="1670557"/>
+                <a:ext cx="1978619" cy="894347"/>
+              </a:xfrm>
+              <a:prstGeom prst="rect">
+                <a:avLst/>
+              </a:prstGeom>
+              <a:noFill/>
+            </p:spPr>
+            <p:txBody>
+              <a:bodyPr wrap="none" lIns="0" tIns="0" rIns="0" bIns="0" rtlCol="0">
+                <a:spAutoFit/>
+              </a:bodyPr>
+              <a:lstStyle/>
+              <a:p>
+                <a14:m>
+                  <m:oMathPara xmlns:m="http://schemas.openxmlformats.org/officeDocument/2006/math">
+                    <m:oMathParaPr>
+                      <m:jc m:val="centerGroup"/>
+                    </m:oMathParaPr>
+                    <m:oMath xmlns:m="http://schemas.openxmlformats.org/officeDocument/2006/math">
+                      <m:sSub>
+                        <m:sSubPr>
+                          <m:ctrlPr>
+                            <a:rPr lang="en-US" altLang="ko-KR" sz="2400" i="1" smtClean="0">
+                              <a:latin typeface="Cambria Math" panose="02040503050406030204" pitchFamily="18" charset="0"/>
+                            </a:rPr>
+                          </m:ctrlPr>
+                        </m:sSubPr>
+                        <m:e>
+                          <m:r>
+                            <a:rPr lang="en-US" altLang="ko-KR" sz="2400" b="0" i="1" smtClean="0">
+                              <a:latin typeface="Cambria Math" panose="02040503050406030204" pitchFamily="18" charset="0"/>
+                            </a:rPr>
+                            <m:t>𝑥</m:t>
+                          </m:r>
+                        </m:e>
+                        <m:sub>
+                          <m:r>
+                            <a:rPr lang="en-US" altLang="ko-KR" sz="2400" b="0" i="1" smtClean="0">
+                              <a:latin typeface="Cambria Math" panose="02040503050406030204" pitchFamily="18" charset="0"/>
+                            </a:rPr>
+                            <m:t>𝑗</m:t>
+                          </m:r>
+                        </m:sub>
+                      </m:sSub>
+                      <m:r>
+                        <a:rPr lang="en-US" altLang="ko-KR" sz="2400" b="0" i="1" smtClean="0">
+                          <a:latin typeface="Cambria Math" panose="02040503050406030204" pitchFamily="18" charset="0"/>
+                        </a:rPr>
+                        <m:t>= </m:t>
+                      </m:r>
+                      <m:nary>
+                        <m:naryPr>
+                          <m:chr m:val="∑"/>
+                          <m:subHide m:val="on"/>
+                          <m:supHide m:val="on"/>
+                          <m:ctrlPr>
+                            <a:rPr lang="en-US" altLang="ko-KR" sz="2400" b="0" i="1" smtClean="0">
+                              <a:latin typeface="Cambria Math" panose="02040503050406030204" pitchFamily="18" charset="0"/>
+                            </a:rPr>
+                          </m:ctrlPr>
+                        </m:naryPr>
+                        <m:sub/>
+                        <m:sup/>
+                        <m:e>
+                          <m:sSub>
+                            <m:sSubPr>
+                              <m:ctrlPr>
+                                <a:rPr lang="en-US" altLang="ko-KR" sz="2400" b="0" i="1" smtClean="0">
+                                  <a:latin typeface="Cambria Math" panose="02040503050406030204" pitchFamily="18" charset="0"/>
+                                </a:rPr>
+                              </m:ctrlPr>
+                            </m:sSubPr>
+                            <m:e>
+                              <m:r>
+                                <a:rPr lang="en-US" altLang="ko-KR" sz="2400" b="0" i="1" smtClean="0">
+                                  <a:latin typeface="Cambria Math" panose="02040503050406030204" pitchFamily="18" charset="0"/>
+                                </a:rPr>
+                                <m:t>𝑦</m:t>
+                              </m:r>
+                            </m:e>
+                            <m:sub>
+                              <m:r>
+                                <a:rPr lang="en-US" altLang="ko-KR" sz="2400" b="0" i="1" smtClean="0">
+                                  <a:latin typeface="Cambria Math" panose="02040503050406030204" pitchFamily="18" charset="0"/>
+                                </a:rPr>
+                                <m:t>𝑖</m:t>
+                              </m:r>
+                            </m:sub>
+                          </m:sSub>
+                          <m:sSub>
+                            <m:sSubPr>
+                              <m:ctrlPr>
+                                <a:rPr lang="en-US" altLang="ko-KR" sz="2400" b="0" i="1" smtClean="0">
+                                  <a:latin typeface="Cambria Math" panose="02040503050406030204" pitchFamily="18" charset="0"/>
+                                </a:rPr>
+                              </m:ctrlPr>
+                            </m:sSubPr>
+                            <m:e>
+                              <m:r>
+                                <a:rPr lang="en-US" altLang="ko-KR" sz="2400" b="0" i="1" smtClean="0">
+                                  <a:latin typeface="Cambria Math" panose="02040503050406030204" pitchFamily="18" charset="0"/>
+                                </a:rPr>
+                                <m:t>𝑤</m:t>
+                              </m:r>
+                            </m:e>
+                            <m:sub>
+                              <m:r>
+                                <a:rPr lang="en-US" altLang="ko-KR" sz="2400" b="0" i="1" smtClean="0">
+                                  <a:latin typeface="Cambria Math" panose="02040503050406030204" pitchFamily="18" charset="0"/>
+                                </a:rPr>
+                                <m:t>𝑖𝑗</m:t>
+                              </m:r>
+                            </m:sub>
+                          </m:sSub>
+                        </m:e>
+                      </m:nary>
+                    </m:oMath>
+                  </m:oMathPara>
+                </a14:m>
+                <a:endParaRPr lang="ko-KR" altLang="en-US" sz="3200" dirty="0"/>
+              </a:p>
+            </p:txBody>
+          </p:sp>
+        </mc:Choice>
+        <mc:Fallback>
+          <p:sp>
+            <p:nvSpPr>
+              <p:cNvPr id="26" name="TextBox 25"/>
+              <p:cNvSpPr txBox="1">
+                <a:spLocks noRot="1" noChangeAspect="1" noMove="1" noResize="1" noEditPoints="1" noAdjustHandles="1" noChangeArrowheads="1" noChangeShapeType="1" noTextEdit="1"/>
+              </p:cNvSpPr>
+              <p:nvPr/>
+            </p:nvSpPr>
+            <p:spPr>
+              <a:xfrm>
+                <a:off x="827584" y="1670557"/>
+                <a:ext cx="1978619" cy="894347"/>
+              </a:xfrm>
+              <a:prstGeom prst="rect">
+                <a:avLst/>
+              </a:prstGeom>
+              <a:blipFill>
+                <a:blip r:embed="rId3"/>
+                <a:stretch>
+                  <a:fillRect/>
+                </a:stretch>
+              </a:blipFill>
+            </p:spPr>
+            <p:txBody>
+              <a:bodyPr/>
+              <a:lstStyle/>
+              <a:p>
+                <a:r>
+                  <a:rPr lang="ko-KR" altLang="en-US">
+                    <a:noFill/>
+                  </a:rPr>
+                  <a:t> </a:t>
+                </a:r>
+              </a:p>
+            </p:txBody>
+          </p:sp>
+        </mc:Fallback>
+      </mc:AlternateContent>
     </p:spTree>
   </p:cSld>
   <p:clrMapOvr>
@@ -8611,70 +10051,180 @@
           </p:txBody>
         </p:sp>
       </p:grpSp>
-      <p:sp>
-        <p:nvSpPr>
-          <p:cNvPr id="25" name="TextBox 24"/>
-          <p:cNvSpPr txBox="1"/>
-          <p:nvPr/>
-        </p:nvSpPr>
-        <p:spPr>
-          <a:xfrm>
-            <a:off x="827584" y="1700808"/>
-            <a:ext cx="7272808" cy="646331"/>
-          </a:xfrm>
-          <a:prstGeom prst="rect">
-            <a:avLst/>
-          </a:prstGeom>
-          <a:noFill/>
-        </p:spPr>
-        <p:txBody>
-          <a:bodyPr wrap="square" rtlCol="0">
-            <a:spAutoFit/>
-          </a:bodyPr>
-          <a:lstStyle/>
-          <a:p>
-            <a:r>
-              <a:rPr lang="en-US" altLang="ko-KR" dirty="0" smtClean="0"/>
-              <a:t>Simplest form of </a:t>
-            </a:r>
-            <a:r>
-              <a:rPr lang="en-US" altLang="ko-KR" b="1" dirty="0" smtClean="0"/>
-              <a:t>gradient descent </a:t>
-            </a:r>
-            <a:r>
-              <a:rPr lang="en-US" altLang="ko-KR" dirty="0" smtClean="0"/>
-              <a:t>would be to change each weight by an amount proportional to the accumulated gradient</a:t>
-            </a:r>
-            <a:endParaRPr lang="ko-KR" altLang="en-US" dirty="0"/>
-          </a:p>
-        </p:txBody>
-      </p:sp>
-      <p:pic>
-        <p:nvPicPr>
-          <p:cNvPr id="27650" name="Picture 2" descr="\displaystyle \Delta w = - \epsilon \frac{\partial E}{\partial w}"/>
-          <p:cNvPicPr>
-            <a:picLocks noChangeAspect="1" noChangeArrowheads="1"/>
-          </p:cNvPicPr>
-          <p:nvPr/>
-        </p:nvPicPr>
-        <p:blipFill>
-          <a:blip r:embed="rId2" cstate="print"/>
-          <a:srcRect/>
-          <a:stretch>
-            <a:fillRect/>
-          </a:stretch>
-        </p:blipFill>
-        <p:spPr bwMode="auto">
-          <a:xfrm>
-            <a:off x="971599" y="2564904"/>
-            <a:ext cx="1840199" cy="720080"/>
-          </a:xfrm>
-          <a:prstGeom prst="rect">
-            <a:avLst/>
-          </a:prstGeom>
-          <a:noFill/>
-        </p:spPr>
-      </p:pic>
+      <mc:AlternateContent xmlns:mc="http://schemas.openxmlformats.org/markup-compatibility/2006">
+        <mc:Choice xmlns:a14="http://schemas.microsoft.com/office/drawing/2010/main" Requires="a14">
+          <p:sp>
+            <p:nvSpPr>
+              <p:cNvPr id="25" name="TextBox 24"/>
+              <p:cNvSpPr txBox="1"/>
+              <p:nvPr/>
+            </p:nvSpPr>
+            <p:spPr>
+              <a:xfrm>
+                <a:off x="827584" y="1700808"/>
+                <a:ext cx="7272808" cy="1625573"/>
+              </a:xfrm>
+              <a:prstGeom prst="rect">
+                <a:avLst/>
+              </a:prstGeom>
+              <a:noFill/>
+            </p:spPr>
+            <p:txBody>
+              <a:bodyPr wrap="square" rtlCol="0">
+                <a:spAutoFit/>
+              </a:bodyPr>
+              <a:lstStyle/>
+              <a:p>
+                <a:r>
+                  <a:rPr lang="en-US" altLang="ko-KR" dirty="0" smtClean="0"/>
+                  <a:t>Simplest form of </a:t>
+                </a:r>
+                <a:r>
+                  <a:rPr lang="en-US" altLang="ko-KR" b="1" dirty="0" smtClean="0"/>
+                  <a:t>gradient descent </a:t>
+                </a:r>
+                <a:r>
+                  <a:rPr lang="en-US" altLang="ko-KR" dirty="0" smtClean="0"/>
+                  <a:t>would be to change each weight by an amount proportional to the accumulated </a:t>
+                </a:r>
+                <a:r>
+                  <a:rPr lang="en-US" altLang="ko-KR" dirty="0" smtClean="0"/>
+                  <a:t>gradient</a:t>
+                </a:r>
+              </a:p>
+              <a:p>
+                <a:endParaRPr lang="en-US" altLang="ko-KR" dirty="0"/>
+              </a:p>
+              <a:p>
+                <a14:m>
+                  <m:oMathPara xmlns:m="http://schemas.openxmlformats.org/officeDocument/2006/math">
+                    <m:oMathParaPr>
+                      <m:jc m:val="centerGroup"/>
+                    </m:oMathParaPr>
+                    <m:oMath xmlns:m="http://schemas.openxmlformats.org/officeDocument/2006/math">
+                      <m:r>
+                        <m:rPr>
+                          <m:sty m:val="p"/>
+                        </m:rPr>
+                        <a:rPr lang="el-GR" altLang="ko-KR" sz="2400">
+                          <a:latin typeface="Cambria Math" panose="02040503050406030204" pitchFamily="18" charset="0"/>
+                        </a:rPr>
+                        <m:t>Δ</m:t>
+                      </m:r>
+                      <m:r>
+                        <m:rPr>
+                          <m:sty m:val="p"/>
+                        </m:rPr>
+                        <a:rPr lang="en-US" altLang="ko-KR" sz="2400" b="0" i="0" smtClean="0">
+                          <a:latin typeface="Cambria Math" panose="02040503050406030204" pitchFamily="18" charset="0"/>
+                        </a:rPr>
+                        <m:t>w</m:t>
+                      </m:r>
+                      <m:r>
+                        <a:rPr lang="en-US" altLang="ko-KR" sz="2400" b="0" i="0" smtClean="0">
+                          <a:latin typeface="Cambria Math" panose="02040503050406030204" pitchFamily="18" charset="0"/>
+                        </a:rPr>
+                        <m:t>=−</m:t>
+                      </m:r>
+                      <m:r>
+                        <m:rPr>
+                          <m:sty m:val="p"/>
+                        </m:rPr>
+                        <a:rPr lang="en-US" altLang="ko-KR" sz="2400" b="0" i="0" smtClean="0">
+                          <a:latin typeface="Cambria Math" panose="02040503050406030204" pitchFamily="18" charset="0"/>
+                        </a:rPr>
+                        <m:t>a</m:t>
+                      </m:r>
+                      <m:r>
+                        <a:rPr lang="en-US" altLang="ko-KR" sz="2400" b="0" i="0" smtClean="0">
+                          <a:latin typeface="Cambria Math" panose="02040503050406030204" pitchFamily="18" charset="0"/>
+                        </a:rPr>
+                        <m:t>∗</m:t>
+                      </m:r>
+                      <m:f>
+                        <m:fPr>
+                          <m:ctrlPr>
+                            <a:rPr lang="en-US" altLang="ko-KR" sz="2400" i="1">
+                              <a:latin typeface="Cambria Math" panose="02040503050406030204" pitchFamily="18" charset="0"/>
+                            </a:rPr>
+                          </m:ctrlPr>
+                        </m:fPr>
+                        <m:num>
+                          <m:r>
+                            <a:rPr lang="en-US" altLang="ko-KR" sz="2400" i="1">
+                              <a:latin typeface="Cambria Math" panose="02040503050406030204" pitchFamily="18" charset="0"/>
+                            </a:rPr>
+                            <m:t>𝜕</m:t>
+                          </m:r>
+                          <m:r>
+                            <a:rPr lang="en-US" altLang="ko-KR" sz="2400" i="1">
+                              <a:latin typeface="Cambria Math" panose="02040503050406030204" pitchFamily="18" charset="0"/>
+                            </a:rPr>
+                            <m:t>𝐸</m:t>
+                          </m:r>
+                        </m:num>
+                        <m:den>
+                          <m:r>
+                            <a:rPr lang="en-US" altLang="ko-KR" sz="2400" i="1">
+                              <a:latin typeface="Cambria Math" panose="02040503050406030204" pitchFamily="18" charset="0"/>
+                            </a:rPr>
+                            <m:t>𝜕</m:t>
+                          </m:r>
+                          <m:r>
+                            <a:rPr lang="en-US" altLang="ko-KR" sz="2400" i="1">
+                              <a:latin typeface="Cambria Math" panose="02040503050406030204" pitchFamily="18" charset="0"/>
+                            </a:rPr>
+                            <m:t>𝑤</m:t>
+                          </m:r>
+                        </m:den>
+                      </m:f>
+                    </m:oMath>
+                  </m:oMathPara>
+                </a14:m>
+                <a:endParaRPr lang="ko-KR" altLang="en-US" dirty="0"/>
+              </a:p>
+            </p:txBody>
+          </p:sp>
+        </mc:Choice>
+        <mc:Fallback>
+          <p:sp>
+            <p:nvSpPr>
+              <p:cNvPr id="25" name="TextBox 24"/>
+              <p:cNvSpPr txBox="1">
+                <a:spLocks noRot="1" noChangeAspect="1" noMove="1" noResize="1" noEditPoints="1" noAdjustHandles="1" noChangeArrowheads="1" noChangeShapeType="1" noTextEdit="1"/>
+              </p:cNvSpPr>
+              <p:nvPr/>
+            </p:nvSpPr>
+            <p:spPr>
+              <a:xfrm>
+                <a:off x="827584" y="1700808"/>
+                <a:ext cx="7272808" cy="1625573"/>
+              </a:xfrm>
+              <a:prstGeom prst="rect">
+                <a:avLst/>
+              </a:prstGeom>
+              <a:blipFill>
+                <a:blip r:embed="rId2"/>
+                <a:stretch>
+                  <a:fillRect l="-754" t="-1873"/>
+                </a:stretch>
+              </a:blipFill>
+            </p:spPr>
+            <p:txBody>
+              <a:bodyPr/>
+              <a:lstStyle/>
+              <a:p>
+                <a:r>
+                  <a:rPr lang="ko-KR" altLang="en-US">
+                    <a:noFill/>
+                  </a:rPr>
+                  <a:t> </a:t>
+                </a:r>
+              </a:p>
+            </p:txBody>
+          </p:sp>
+        </mc:Fallback>
+      </mc:AlternateContent>
     </p:spTree>
   </p:cSld>
   <p:clrMapOvr>
